--- a/演示文稿1.pptx
+++ b/演示文稿1.pptx
@@ -7,9 +7,11 @@
   <p:sldIdLst>
     <p:sldId id="256" r:id="rId2"/>
     <p:sldId id="257" r:id="rId3"/>
-    <p:sldId id="259" r:id="rId4"/>
-    <p:sldId id="260" r:id="rId5"/>
-    <p:sldId id="258" r:id="rId6"/>
+    <p:sldId id="261" r:id="rId4"/>
+    <p:sldId id="262" r:id="rId5"/>
+    <p:sldId id="259" r:id="rId6"/>
+    <p:sldId id="260" r:id="rId7"/>
+    <p:sldId id="258" r:id="rId8"/>
   </p:sldIdLst>
   <p:sldSz cx="12192000" cy="6858000"/>
   <p:notesSz cx="6858000" cy="9144000"/>
@@ -247,7 +249,7 @@
           <a:p>
             <a:fld id="{7DE42EF9-183B-415B-8AAE-4639E5D85FE4}" type="datetimeFigureOut">
               <a:rPr lang="zh-TW" altLang="en-US" smtClean="0"/>
-              <a:t>2022/10/8</a:t>
+              <a:t>2022/10/18</a:t>
             </a:fld>
             <a:endParaRPr lang="zh-TW" altLang="en-US"/>
           </a:p>
@@ -417,7 +419,7 @@
           <a:p>
             <a:fld id="{7DE42EF9-183B-415B-8AAE-4639E5D85FE4}" type="datetimeFigureOut">
               <a:rPr lang="zh-TW" altLang="en-US" smtClean="0"/>
-              <a:t>2022/10/8</a:t>
+              <a:t>2022/10/18</a:t>
             </a:fld>
             <a:endParaRPr lang="zh-TW" altLang="en-US"/>
           </a:p>
@@ -597,7 +599,7 @@
           <a:p>
             <a:fld id="{7DE42EF9-183B-415B-8AAE-4639E5D85FE4}" type="datetimeFigureOut">
               <a:rPr lang="zh-TW" altLang="en-US" smtClean="0"/>
-              <a:t>2022/10/8</a:t>
+              <a:t>2022/10/18</a:t>
             </a:fld>
             <a:endParaRPr lang="zh-TW" altLang="en-US"/>
           </a:p>
@@ -767,7 +769,7 @@
           <a:p>
             <a:fld id="{7DE42EF9-183B-415B-8AAE-4639E5D85FE4}" type="datetimeFigureOut">
               <a:rPr lang="zh-TW" altLang="en-US" smtClean="0"/>
-              <a:t>2022/10/8</a:t>
+              <a:t>2022/10/18</a:t>
             </a:fld>
             <a:endParaRPr lang="zh-TW" altLang="en-US"/>
           </a:p>
@@ -1013,7 +1015,7 @@
           <a:p>
             <a:fld id="{7DE42EF9-183B-415B-8AAE-4639E5D85FE4}" type="datetimeFigureOut">
               <a:rPr lang="zh-TW" altLang="en-US" smtClean="0"/>
-              <a:t>2022/10/8</a:t>
+              <a:t>2022/10/18</a:t>
             </a:fld>
             <a:endParaRPr lang="zh-TW" altLang="en-US"/>
           </a:p>
@@ -1245,7 +1247,7 @@
           <a:p>
             <a:fld id="{7DE42EF9-183B-415B-8AAE-4639E5D85FE4}" type="datetimeFigureOut">
               <a:rPr lang="zh-TW" altLang="en-US" smtClean="0"/>
-              <a:t>2022/10/8</a:t>
+              <a:t>2022/10/18</a:t>
             </a:fld>
             <a:endParaRPr lang="zh-TW" altLang="en-US"/>
           </a:p>
@@ -1612,7 +1614,7 @@
           <a:p>
             <a:fld id="{7DE42EF9-183B-415B-8AAE-4639E5D85FE4}" type="datetimeFigureOut">
               <a:rPr lang="zh-TW" altLang="en-US" smtClean="0"/>
-              <a:t>2022/10/8</a:t>
+              <a:t>2022/10/18</a:t>
             </a:fld>
             <a:endParaRPr lang="zh-TW" altLang="en-US"/>
           </a:p>
@@ -1730,7 +1732,7 @@
           <a:p>
             <a:fld id="{7DE42EF9-183B-415B-8AAE-4639E5D85FE4}" type="datetimeFigureOut">
               <a:rPr lang="zh-TW" altLang="en-US" smtClean="0"/>
-              <a:t>2022/10/8</a:t>
+              <a:t>2022/10/18</a:t>
             </a:fld>
             <a:endParaRPr lang="zh-TW" altLang="en-US"/>
           </a:p>
@@ -1825,7 +1827,7 @@
           <a:p>
             <a:fld id="{7DE42EF9-183B-415B-8AAE-4639E5D85FE4}" type="datetimeFigureOut">
               <a:rPr lang="zh-TW" altLang="en-US" smtClean="0"/>
-              <a:t>2022/10/8</a:t>
+              <a:t>2022/10/18</a:t>
             </a:fld>
             <a:endParaRPr lang="zh-TW" altLang="en-US"/>
           </a:p>
@@ -2102,7 +2104,7 @@
           <a:p>
             <a:fld id="{7DE42EF9-183B-415B-8AAE-4639E5D85FE4}" type="datetimeFigureOut">
               <a:rPr lang="zh-TW" altLang="en-US" smtClean="0"/>
-              <a:t>2022/10/8</a:t>
+              <a:t>2022/10/18</a:t>
             </a:fld>
             <a:endParaRPr lang="zh-TW" altLang="en-US"/>
           </a:p>
@@ -2355,7 +2357,7 @@
           <a:p>
             <a:fld id="{7DE42EF9-183B-415B-8AAE-4639E5D85FE4}" type="datetimeFigureOut">
               <a:rPr lang="zh-TW" altLang="en-US" smtClean="0"/>
-              <a:t>2022/10/8</a:t>
+              <a:t>2022/10/18</a:t>
             </a:fld>
             <a:endParaRPr lang="zh-TW" altLang="en-US"/>
           </a:p>
@@ -2568,7 +2570,7 @@
           <a:p>
             <a:fld id="{7DE42EF9-183B-415B-8AAE-4639E5D85FE4}" type="datetimeFigureOut">
               <a:rPr lang="zh-TW" altLang="en-US" smtClean="0"/>
-              <a:t>2022/10/8</a:t>
+              <a:t>2022/10/18</a:t>
             </a:fld>
             <a:endParaRPr lang="zh-TW" altLang="en-US"/>
           </a:p>
@@ -4194,7 +4196,7 @@
         </p:nvCxnSpPr>
         <p:spPr>
           <a:xfrm flipV="1">
-            <a:off x="6225267" y="1785257"/>
+            <a:off x="2315029" y="1785257"/>
             <a:ext cx="0" cy="1923143"/>
           </a:xfrm>
           <a:prstGeom prst="straightConnector1">
@@ -4230,7 +4232,7 @@
         </p:nvCxnSpPr>
         <p:spPr>
           <a:xfrm>
-            <a:off x="6098267" y="3570514"/>
+            <a:off x="2188029" y="3570514"/>
             <a:ext cx="2009321" cy="0"/>
           </a:xfrm>
           <a:prstGeom prst="straightConnector1">
@@ -4265,8 +4267,8 @@
           <p:nvPr/>
         </p:nvCxnSpPr>
         <p:spPr>
-          <a:xfrm>
-            <a:off x="6610803" y="2044700"/>
+          <a:xfrm flipV="1">
+            <a:off x="2313963" y="2351314"/>
             <a:ext cx="925285" cy="1219200"/>
           </a:xfrm>
           <a:prstGeom prst="line">
@@ -4293,16 +4295,138 @@
           </a:fontRef>
         </p:style>
       </p:cxnSp>
+      <p:sp>
+        <p:nvSpPr>
+          <p:cNvPr id="9" name="文本框 8"/>
+          <p:cNvSpPr txBox="1"/>
+          <p:nvPr/>
+        </p:nvSpPr>
+        <p:spPr>
+          <a:xfrm>
+            <a:off x="1924050" y="1689100"/>
+            <a:ext cx="171450" cy="369332"/>
+          </a:xfrm>
+          <a:prstGeom prst="rect">
+            <a:avLst/>
+          </a:prstGeom>
+          <a:noFill/>
+        </p:spPr>
+        <p:txBody>
+          <a:bodyPr wrap="square" rtlCol="0">
+            <a:spAutoFit/>
+          </a:bodyPr>
+          <a:lstStyle/>
+          <a:p>
+            <a:r>
+              <a:rPr lang="en-US" altLang="zh-TW" dirty="0" smtClean="0"/>
+              <a:t>P</a:t>
+            </a:r>
+            <a:endParaRPr lang="zh-TW" altLang="en-US" dirty="0"/>
+          </a:p>
+        </p:txBody>
+      </p:sp>
+      <p:sp>
+        <p:nvSpPr>
+          <p:cNvPr id="10" name="文本框 9"/>
+          <p:cNvSpPr txBox="1"/>
+          <p:nvPr/>
+        </p:nvSpPr>
+        <p:spPr>
+          <a:xfrm>
+            <a:off x="4132942" y="3570514"/>
+            <a:ext cx="171450" cy="369332"/>
+          </a:xfrm>
+          <a:prstGeom prst="rect">
+            <a:avLst/>
+          </a:prstGeom>
+          <a:noFill/>
+        </p:spPr>
+        <p:txBody>
+          <a:bodyPr wrap="square" rtlCol="0">
+            <a:spAutoFit/>
+          </a:bodyPr>
+          <a:lstStyle/>
+          <a:p>
+            <a:r>
+              <a:rPr lang="en-US" altLang="zh-TW" dirty="0" smtClean="0"/>
+              <a:t>Q</a:t>
+            </a:r>
+            <a:endParaRPr lang="zh-TW" altLang="en-US" dirty="0"/>
+          </a:p>
+        </p:txBody>
+      </p:sp>
+      <p:sp>
+        <p:nvSpPr>
+          <p:cNvPr id="11" name="文本框 10"/>
+          <p:cNvSpPr txBox="1"/>
+          <p:nvPr/>
+        </p:nvSpPr>
+        <p:spPr>
+          <a:xfrm>
+            <a:off x="3070747" y="2975811"/>
+            <a:ext cx="2827338" cy="307777"/>
+          </a:xfrm>
+          <a:prstGeom prst="rect">
+            <a:avLst/>
+          </a:prstGeom>
+          <a:noFill/>
+        </p:spPr>
+        <p:txBody>
+          <a:bodyPr wrap="square" rtlCol="0">
+            <a:spAutoFit/>
+          </a:bodyPr>
+          <a:lstStyle/>
+          <a:p>
+            <a:r>
+              <a:rPr lang="zh-CN" altLang="en-US" sz="1400" dirty="0">
+                <a:solidFill>
+                  <a:srgbClr val="00B050"/>
+                </a:solidFill>
+              </a:rPr>
+              <a:t>生产</a:t>
+            </a:r>
+            <a:r>
+              <a:rPr lang="zh-CN" altLang="en-US" sz="1400" dirty="0" smtClean="0">
+                <a:solidFill>
+                  <a:srgbClr val="00B050"/>
+                </a:solidFill>
+              </a:rPr>
+              <a:t>者剩余：∫赚了多少钱</a:t>
+            </a:r>
+            <a:r>
+              <a:rPr lang="en-US" altLang="zh-CN" sz="1400" dirty="0">
+                <a:solidFill>
+                  <a:srgbClr val="00B050"/>
+                </a:solidFill>
+              </a:rPr>
+              <a:t>d</a:t>
+            </a:r>
+            <a:r>
+              <a:rPr lang="zh-CN" altLang="en-US" sz="1400" dirty="0" smtClean="0">
+                <a:solidFill>
+                  <a:srgbClr val="00B050"/>
+                </a:solidFill>
+              </a:rPr>
+              <a:t>人数</a:t>
+            </a:r>
+            <a:endParaRPr lang="zh-TW" altLang="en-US" sz="1400" dirty="0">
+              <a:solidFill>
+                <a:srgbClr val="00B050"/>
+              </a:solidFill>
+            </a:endParaRPr>
+          </a:p>
+        </p:txBody>
+      </p:sp>
       <p:cxnSp>
         <p:nvCxnSpPr>
-          <p:cNvPr id="7" name="直接连接符 6"/>
+          <p:cNvPr id="12" name="直接连接符 11"/>
           <p:cNvCxnSpPr/>
           <p:nvPr/>
         </p:nvCxnSpPr>
         <p:spPr>
           <a:xfrm flipH="1">
-            <a:off x="6352268" y="2101850"/>
-            <a:ext cx="1230538" cy="1200150"/>
+            <a:off x="2322446" y="2714487"/>
+            <a:ext cx="1475921" cy="0"/>
           </a:xfrm>
           <a:prstGeom prst="line">
             <a:avLst/>
@@ -4311,6 +4435,7 @@
             <a:solidFill>
               <a:schemeClr val="tx1"/>
             </a:solidFill>
+            <a:prstDash val="lgDash"/>
           </a:ln>
         </p:spPr>
         <p:style>
@@ -4330,14 +4455,14 @@
       </p:cxnSp>
       <p:sp>
         <p:nvSpPr>
-          <p:cNvPr id="8" name="文本框 7"/>
+          <p:cNvPr id="14" name="文本框 13"/>
           <p:cNvSpPr txBox="1"/>
           <p:nvPr/>
         </p:nvSpPr>
         <p:spPr>
           <a:xfrm>
-            <a:off x="5834288" y="1689100"/>
-            <a:ext cx="171450" cy="369332"/>
+            <a:off x="1924050" y="3897737"/>
+            <a:ext cx="2845707" cy="307777"/>
           </a:xfrm>
           <a:prstGeom prst="rect">
             <a:avLst/>
@@ -4350,140 +4475,21 @@
           </a:bodyPr>
           <a:lstStyle/>
           <a:p>
-            <a:r>
-              <a:rPr lang="en-US" altLang="zh-TW" dirty="0" smtClean="0"/>
-              <a:t>P</a:t>
-            </a:r>
-            <a:endParaRPr lang="zh-TW" altLang="en-US" dirty="0"/>
-          </a:p>
-        </p:txBody>
-      </p:sp>
-      <p:sp>
-        <p:nvSpPr>
-          <p:cNvPr id="9" name="文本框 8"/>
-          <p:cNvSpPr txBox="1"/>
-          <p:nvPr/>
-        </p:nvSpPr>
-        <p:spPr>
-          <a:xfrm>
-            <a:off x="8043180" y="3570514"/>
-            <a:ext cx="171450" cy="369332"/>
-          </a:xfrm>
-          <a:prstGeom prst="rect">
-            <a:avLst/>
-          </a:prstGeom>
-          <a:noFill/>
-        </p:spPr>
-        <p:txBody>
-          <a:bodyPr wrap="square" rtlCol="0">
-            <a:spAutoFit/>
-          </a:bodyPr>
-          <a:lstStyle/>
-          <a:p>
-            <a:r>
-              <a:rPr lang="en-US" altLang="zh-TW" dirty="0" smtClean="0"/>
-              <a:t>Q</a:t>
-            </a:r>
-            <a:endParaRPr lang="zh-TW" altLang="en-US" dirty="0"/>
-          </a:p>
-        </p:txBody>
-      </p:sp>
-      <p:cxnSp>
-        <p:nvCxnSpPr>
-          <p:cNvPr id="11" name="直接连接符 10"/>
-          <p:cNvCxnSpPr/>
-          <p:nvPr/>
-        </p:nvCxnSpPr>
-        <p:spPr>
-          <a:xfrm flipH="1">
-            <a:off x="6233432" y="2614613"/>
-            <a:ext cx="822326" cy="9069"/>
-          </a:xfrm>
-          <a:prstGeom prst="line">
-            <a:avLst/>
-          </a:prstGeom>
-          <a:ln>
-            <a:solidFill>
-              <a:schemeClr val="tx1"/>
-            </a:solidFill>
-            <a:prstDash val="dash"/>
-          </a:ln>
-        </p:spPr>
-        <p:style>
-          <a:lnRef idx="1">
-            <a:schemeClr val="accent1"/>
-          </a:lnRef>
-          <a:fillRef idx="0">
-            <a:schemeClr val="accent1"/>
-          </a:fillRef>
-          <a:effectRef idx="0">
-            <a:schemeClr val="accent1"/>
-          </a:effectRef>
-          <a:fontRef idx="minor">
-            <a:schemeClr val="tx1"/>
-          </a:fontRef>
-        </p:style>
-      </p:cxnSp>
-      <p:sp>
-        <p:nvSpPr>
-          <p:cNvPr id="12" name="文本框 11"/>
-          <p:cNvSpPr txBox="1"/>
-          <p:nvPr/>
-        </p:nvSpPr>
-        <p:spPr>
-          <a:xfrm>
-            <a:off x="5839279" y="2460724"/>
-            <a:ext cx="509361" cy="307777"/>
-          </a:xfrm>
-          <a:prstGeom prst="rect">
-            <a:avLst/>
-          </a:prstGeom>
-          <a:noFill/>
-        </p:spPr>
-        <p:txBody>
-          <a:bodyPr wrap="square" rtlCol="0">
-            <a:spAutoFit/>
-          </a:bodyPr>
-          <a:lstStyle/>
-          <a:p>
-            <a:r>
-              <a:rPr lang="en-US" altLang="zh-CN" sz="1400" dirty="0" smtClean="0"/>
-              <a:t>P*</a:t>
-            </a:r>
-            <a:endParaRPr lang="zh-TW" altLang="en-US" sz="1400" dirty="0"/>
-          </a:p>
-        </p:txBody>
-      </p:sp>
-      <p:sp>
-        <p:nvSpPr>
-          <p:cNvPr id="13" name="文本框 12"/>
-          <p:cNvSpPr txBox="1"/>
-          <p:nvPr/>
-        </p:nvSpPr>
-        <p:spPr>
-          <a:xfrm>
-            <a:off x="5729513" y="3897737"/>
-            <a:ext cx="2845707" cy="307777"/>
-          </a:xfrm>
-          <a:prstGeom prst="rect">
-            <a:avLst/>
-          </a:prstGeom>
-          <a:noFill/>
-        </p:spPr>
-        <p:txBody>
-          <a:bodyPr wrap="square" rtlCol="0">
-            <a:spAutoFit/>
-          </a:bodyPr>
-          <a:lstStyle/>
-          <a:p>
-            <a:pPr algn="ctr"/>
             <a:r>
               <a:rPr lang="en-US" altLang="zh-CN" sz="1400" dirty="0" smtClean="0">
                 <a:solidFill>
                   <a:srgbClr val="00B050"/>
                 </a:solidFill>
               </a:rPr>
-              <a:t>Non-Binding</a:t>
+              <a:t>7</a:t>
+            </a:r>
+            <a:r>
+              <a:rPr lang="zh-CN" altLang="en-US" sz="1400" dirty="0" smtClean="0">
+                <a:solidFill>
+                  <a:srgbClr val="00B050"/>
+                </a:solidFill>
+              </a:rPr>
+              <a:t>元以上是正常品 以下是低档品</a:t>
             </a:r>
             <a:endParaRPr lang="zh-TW" altLang="en-US" sz="1400" dirty="0">
               <a:solidFill>
@@ -4493,25 +4499,76 @@
           </a:p>
         </p:txBody>
       </p:sp>
+      <p:sp>
+        <p:nvSpPr>
+          <p:cNvPr id="17" name="等腰三角形 16"/>
+          <p:cNvSpPr/>
+          <p:nvPr/>
+        </p:nvSpPr>
+        <p:spPr>
+          <a:xfrm flipV="1">
+            <a:off x="2328796" y="2720837"/>
+            <a:ext cx="616017" cy="815022"/>
+          </a:xfrm>
+          <a:prstGeom prst="triangle">
+            <a:avLst>
+              <a:gd name="adj" fmla="val 0"/>
+            </a:avLst>
+          </a:prstGeom>
+          <a:solidFill>
+            <a:schemeClr val="accent4">
+              <a:lumMod val="40000"/>
+              <a:lumOff val="60000"/>
+            </a:schemeClr>
+          </a:solidFill>
+          <a:ln>
+            <a:noFill/>
+          </a:ln>
+        </p:spPr>
+        <p:style>
+          <a:lnRef idx="2">
+            <a:schemeClr val="accent1">
+              <a:shade val="50000"/>
+            </a:schemeClr>
+          </a:lnRef>
+          <a:fillRef idx="1">
+            <a:schemeClr val="accent1"/>
+          </a:fillRef>
+          <a:effectRef idx="0">
+            <a:schemeClr val="accent1"/>
+          </a:effectRef>
+          <a:fontRef idx="minor">
+            <a:schemeClr val="lt1"/>
+          </a:fontRef>
+        </p:style>
+        <p:txBody>
+          <a:bodyPr rtlCol="0" anchor="ctr"/>
+          <a:lstStyle/>
+          <a:p>
+            <a:pPr algn="ctr"/>
+            <a:endParaRPr lang="zh-TW" altLang="en-US"/>
+          </a:p>
+        </p:txBody>
+      </p:sp>
       <p:cxnSp>
         <p:nvCxnSpPr>
-          <p:cNvPr id="14" name="直接连接符 13"/>
+          <p:cNvPr id="8" name="直接箭头连接符 7"/>
           <p:cNvCxnSpPr/>
           <p:nvPr/>
         </p:nvCxnSpPr>
         <p:spPr>
-          <a:xfrm flipH="1">
-            <a:off x="6230482" y="2322839"/>
-            <a:ext cx="598489" cy="0"/>
-          </a:xfrm>
-          <a:prstGeom prst="line">
+          <a:xfrm>
+            <a:off x="2539546" y="3033966"/>
+            <a:ext cx="531201" cy="94382"/>
+          </a:xfrm>
+          <a:prstGeom prst="straightConnector1">
             <a:avLst/>
           </a:prstGeom>
           <a:ln>
             <a:solidFill>
               <a:srgbClr val="00B050"/>
             </a:solidFill>
-            <a:prstDash val="dash"/>
+            <a:tailEnd type="triangle"/>
           </a:ln>
         </p:spPr>
         <p:style>
@@ -4531,14 +4588,14 @@
       </p:cxnSp>
       <p:sp>
         <p:nvSpPr>
-          <p:cNvPr id="17" name="文本框 16"/>
+          <p:cNvPr id="22" name="文本框 21"/>
           <p:cNvSpPr txBox="1"/>
           <p:nvPr/>
         </p:nvSpPr>
         <p:spPr>
           <a:xfrm>
-            <a:off x="5834288" y="2161384"/>
-            <a:ext cx="509361" cy="307777"/>
+            <a:off x="3911600" y="2495550"/>
+            <a:ext cx="3632200" cy="523220"/>
           </a:xfrm>
           <a:prstGeom prst="rect">
             <a:avLst/>
@@ -4552,30 +4609,52 @@
           <a:lstStyle/>
           <a:p>
             <a:r>
-              <a:rPr lang="en-US" altLang="zh-CN" sz="1400" dirty="0" smtClean="0">
-                <a:solidFill>
-                  <a:srgbClr val="00B050"/>
-                </a:solidFill>
-              </a:rPr>
-              <a:t>Pc</a:t>
-            </a:r>
-            <a:endParaRPr lang="zh-TW" altLang="en-US" sz="1400" dirty="0">
-              <a:solidFill>
-                <a:srgbClr val="00B050"/>
-              </a:solidFill>
-            </a:endParaRPr>
-          </a:p>
-        </p:txBody>
-      </p:sp>
+              <a:rPr lang="zh-CN" altLang="en-US" sz="1400" dirty="0" smtClean="0"/>
+              <a:t>假设是线性定价（市场特点，非市场也可以是曲线）</a:t>
+            </a:r>
+            <a:endParaRPr lang="zh-TW" altLang="en-US" sz="1400" dirty="0"/>
+          </a:p>
+        </p:txBody>
+      </p:sp>
+      <p:pic>
+        <p:nvPicPr>
+          <p:cNvPr id="23" name="图片 22"/>
+          <p:cNvPicPr>
+            <a:picLocks noChangeAspect="1"/>
+          </p:cNvPicPr>
+          <p:nvPr/>
+        </p:nvPicPr>
+        <p:blipFill>
+          <a:blip r:embed="rId2">
+            <a:extLst>
+              <a:ext uri="{28A0092B-C50C-407E-A947-70E740481C1C}">
+                <a14:useLocalDpi xmlns:a14="http://schemas.microsoft.com/office/drawing/2010/main" val="0"/>
+              </a:ext>
+            </a:extLst>
+          </a:blip>
+          <a:stretch>
+            <a:fillRect/>
+          </a:stretch>
+        </p:blipFill>
+        <p:spPr>
+          <a:xfrm>
+            <a:off x="7195339" y="3659275"/>
+            <a:ext cx="5230821" cy="2371550"/>
+          </a:xfrm>
+          <a:prstGeom prst="rect">
+            <a:avLst/>
+          </a:prstGeom>
+        </p:spPr>
+      </p:pic>
       <p:cxnSp>
         <p:nvCxnSpPr>
-          <p:cNvPr id="18" name="直接箭头连接符 17"/>
+          <p:cNvPr id="25" name="直接箭头连接符 24"/>
           <p:cNvCxnSpPr/>
           <p:nvPr/>
         </p:nvCxnSpPr>
         <p:spPr>
           <a:xfrm flipV="1">
-            <a:off x="3121025" y="1785257"/>
+            <a:off x="7595983" y="346378"/>
             <a:ext cx="0" cy="1923143"/>
           </a:xfrm>
           <a:prstGeom prst="straightConnector1">
@@ -4605,13 +4684,13 @@
       </p:cxnSp>
       <p:cxnSp>
         <p:nvCxnSpPr>
-          <p:cNvPr id="19" name="直接箭头连接符 18"/>
+          <p:cNvPr id="26" name="直接箭头连接符 25"/>
           <p:cNvCxnSpPr/>
           <p:nvPr/>
         </p:nvCxnSpPr>
         <p:spPr>
           <a:xfrm>
-            <a:off x="2994025" y="3570514"/>
+            <a:off x="7468983" y="2131635"/>
             <a:ext cx="2009321" cy="0"/>
           </a:xfrm>
           <a:prstGeom prst="straightConnector1">
@@ -4641,13 +4720,13 @@
       </p:cxnSp>
       <p:cxnSp>
         <p:nvCxnSpPr>
-          <p:cNvPr id="20" name="直接连接符 19"/>
+          <p:cNvPr id="27" name="直接连接符 26"/>
           <p:cNvCxnSpPr/>
           <p:nvPr/>
         </p:nvCxnSpPr>
         <p:spPr>
           <a:xfrm>
-            <a:off x="3506561" y="2044700"/>
+            <a:off x="1268935" y="4305427"/>
             <a:ext cx="925285" cy="1219200"/>
           </a:xfrm>
           <a:prstGeom prst="line">
@@ -4674,50 +4753,15 @@
           </a:fontRef>
         </p:style>
       </p:cxnSp>
-      <p:cxnSp>
-        <p:nvCxnSpPr>
-          <p:cNvPr id="21" name="直接连接符 20"/>
-          <p:cNvCxnSpPr/>
-          <p:nvPr/>
-        </p:nvCxnSpPr>
-        <p:spPr>
-          <a:xfrm flipH="1">
-            <a:off x="3248026" y="2101850"/>
-            <a:ext cx="1230538" cy="1200150"/>
-          </a:xfrm>
-          <a:prstGeom prst="line">
-            <a:avLst/>
-          </a:prstGeom>
-          <a:ln>
-            <a:solidFill>
-              <a:schemeClr val="tx1"/>
-            </a:solidFill>
-          </a:ln>
-        </p:spPr>
-        <p:style>
-          <a:lnRef idx="1">
-            <a:schemeClr val="accent1"/>
-          </a:lnRef>
-          <a:fillRef idx="0">
-            <a:schemeClr val="accent1"/>
-          </a:fillRef>
-          <a:effectRef idx="0">
-            <a:schemeClr val="accent1"/>
-          </a:effectRef>
-          <a:fontRef idx="minor">
-            <a:schemeClr val="tx1"/>
-          </a:fontRef>
-        </p:style>
-      </p:cxnSp>
-      <p:sp>
-        <p:nvSpPr>
-          <p:cNvPr id="22" name="文本框 21"/>
+      <p:sp>
+        <p:nvSpPr>
+          <p:cNvPr id="28" name="文本框 27"/>
           <p:cNvSpPr txBox="1"/>
           <p:nvPr/>
         </p:nvSpPr>
         <p:spPr>
           <a:xfrm>
-            <a:off x="2730046" y="1689100"/>
+            <a:off x="7205004" y="250221"/>
             <a:ext cx="171450" cy="369332"/>
           </a:xfrm>
           <a:prstGeom prst="rect">
@@ -4741,13 +4785,13 @@
       </p:sp>
       <p:sp>
         <p:nvSpPr>
-          <p:cNvPr id="23" name="文本框 22"/>
+          <p:cNvPr id="29" name="文本框 28"/>
           <p:cNvSpPr txBox="1"/>
           <p:nvPr/>
         </p:nvSpPr>
         <p:spPr>
           <a:xfrm>
-            <a:off x="4938938" y="3570514"/>
+            <a:off x="3068428" y="5903694"/>
             <a:ext cx="171450" cy="369332"/>
           </a:xfrm>
           <a:prstGeom prst="rect">
@@ -4769,52 +4813,16 @@
           </a:p>
         </p:txBody>
       </p:sp>
-      <p:cxnSp>
-        <p:nvCxnSpPr>
-          <p:cNvPr id="24" name="直接连接符 23"/>
-          <p:cNvCxnSpPr/>
-          <p:nvPr/>
-        </p:nvCxnSpPr>
-        <p:spPr>
-          <a:xfrm flipH="1">
-            <a:off x="3129190" y="2614613"/>
-            <a:ext cx="822326" cy="9069"/>
-          </a:xfrm>
-          <a:prstGeom prst="line">
-            <a:avLst/>
-          </a:prstGeom>
-          <a:ln>
-            <a:solidFill>
-              <a:schemeClr val="tx1"/>
-            </a:solidFill>
-            <a:prstDash val="dash"/>
-          </a:ln>
-        </p:spPr>
-        <p:style>
-          <a:lnRef idx="1">
-            <a:schemeClr val="accent1"/>
-          </a:lnRef>
-          <a:fillRef idx="0">
-            <a:schemeClr val="accent1"/>
-          </a:fillRef>
-          <a:effectRef idx="0">
-            <a:schemeClr val="accent1"/>
-          </a:effectRef>
-          <a:fontRef idx="minor">
-            <a:schemeClr val="tx1"/>
-          </a:fontRef>
-        </p:style>
-      </p:cxnSp>
-      <p:sp>
-        <p:nvSpPr>
-          <p:cNvPr id="25" name="文本框 24"/>
+      <p:sp>
+        <p:nvSpPr>
+          <p:cNvPr id="30" name="文本框 29"/>
           <p:cNvSpPr txBox="1"/>
           <p:nvPr/>
         </p:nvSpPr>
         <p:spPr>
           <a:xfrm>
-            <a:off x="2735037" y="2460724"/>
-            <a:ext cx="509361" cy="307777"/>
+            <a:off x="8713651" y="441872"/>
+            <a:ext cx="2827338" cy="307777"/>
           </a:xfrm>
           <a:prstGeom prst="rect">
             <a:avLst/>
@@ -4828,43 +4836,36 @@
           <a:lstStyle/>
           <a:p>
             <a:r>
-              <a:rPr lang="en-US" altLang="zh-CN" sz="1400" dirty="0" smtClean="0"/>
-              <a:t>P*</a:t>
-            </a:r>
-            <a:endParaRPr lang="zh-TW" altLang="en-US" sz="1400" dirty="0"/>
-          </a:p>
-        </p:txBody>
-      </p:sp>
-      <p:sp>
-        <p:nvSpPr>
-          <p:cNvPr id="26" name="文本框 25"/>
-          <p:cNvSpPr txBox="1"/>
-          <p:nvPr/>
-        </p:nvSpPr>
-        <p:spPr>
-          <a:xfrm>
-            <a:off x="2625271" y="3897737"/>
-            <a:ext cx="2845707" cy="307777"/>
-          </a:xfrm>
-          <a:prstGeom prst="rect">
-            <a:avLst/>
-          </a:prstGeom>
-          <a:noFill/>
-        </p:spPr>
-        <p:txBody>
-          <a:bodyPr wrap="square" rtlCol="0">
-            <a:spAutoFit/>
-          </a:bodyPr>
-          <a:lstStyle/>
-          <a:p>
-            <a:pPr algn="ctr"/>
-            <a:r>
-              <a:rPr lang="en-US" altLang="zh-CN" sz="1400" dirty="0" smtClean="0">
+              <a:rPr lang="zh-CN" altLang="en-US" sz="1400" dirty="0" smtClean="0">
                 <a:solidFill>
                   <a:srgbClr val="00B050"/>
                 </a:solidFill>
               </a:rPr>
-              <a:t>Binding</a:t>
+              <a:t>消费者</a:t>
+            </a:r>
+            <a:r>
+              <a:rPr lang="zh-CN" altLang="en-US" sz="1400" dirty="0" smtClean="0">
+                <a:solidFill>
+                  <a:srgbClr val="00B050"/>
+                </a:solidFill>
+              </a:rPr>
+              <a:t>剩余：∫省了多少钱</a:t>
+            </a:r>
+            <a:r>
+              <a:rPr lang="en-US" altLang="zh-CN" sz="1400" dirty="0">
+                <a:solidFill>
+                  <a:srgbClr val="00B050"/>
+                </a:solidFill>
+              </a:rPr>
+              <a:t>d</a:t>
+            </a:r>
+            <a:r>
+              <a:rPr lang="zh-CN" altLang="en-US" sz="1400" dirty="0" smtClean="0">
+                <a:solidFill>
+                  <a:srgbClr val="00B050"/>
+                </a:solidFill>
+              </a:rPr>
+              <a:t>人数</a:t>
             </a:r>
             <a:endParaRPr lang="zh-TW" altLang="en-US" sz="1400" dirty="0">
               <a:solidFill>
@@ -4874,25 +4875,78 @@
           </a:p>
         </p:txBody>
       </p:sp>
+      <p:sp>
+        <p:nvSpPr>
+          <p:cNvPr id="31" name="等腰三角形 30"/>
+          <p:cNvSpPr/>
+          <p:nvPr/>
+        </p:nvSpPr>
+        <p:spPr>
+          <a:xfrm>
+            <a:off x="1273664" y="4323762"/>
+            <a:ext cx="616017" cy="815022"/>
+          </a:xfrm>
+          <a:prstGeom prst="triangle">
+            <a:avLst>
+              <a:gd name="adj" fmla="val 0"/>
+            </a:avLst>
+          </a:prstGeom>
+          <a:solidFill>
+            <a:schemeClr val="accent1">
+              <a:lumMod val="60000"/>
+              <a:lumOff val="40000"/>
+            </a:schemeClr>
+          </a:solidFill>
+          <a:ln>
+            <a:noFill/>
+          </a:ln>
+        </p:spPr>
+        <p:style>
+          <a:lnRef idx="2">
+            <a:schemeClr val="accent1">
+              <a:shade val="50000"/>
+            </a:schemeClr>
+          </a:lnRef>
+          <a:fillRef idx="1">
+            <a:schemeClr val="accent1"/>
+          </a:fillRef>
+          <a:effectRef idx="0">
+            <a:schemeClr val="accent1"/>
+          </a:effectRef>
+          <a:fontRef idx="minor">
+            <a:schemeClr val="lt1"/>
+          </a:fontRef>
+        </p:style>
+        <p:txBody>
+          <a:bodyPr rtlCol="0" anchor="ctr"/>
+          <a:lstStyle/>
+          <a:p>
+            <a:pPr algn="ctr"/>
+            <a:endParaRPr lang="zh-TW" altLang="en-US"/>
+          </a:p>
+        </p:txBody>
+      </p:sp>
       <p:cxnSp>
         <p:nvCxnSpPr>
-          <p:cNvPr id="27" name="直接连接符 26"/>
-          <p:cNvCxnSpPr/>
+          <p:cNvPr id="32" name="直接箭头连接符 31"/>
+          <p:cNvCxnSpPr>
+            <a:endCxn id="30" idx="1"/>
+          </p:cNvCxnSpPr>
           <p:nvPr/>
         </p:nvCxnSpPr>
         <p:spPr>
-          <a:xfrm flipH="1">
-            <a:off x="3126240" y="2843749"/>
-            <a:ext cx="598489" cy="0"/>
-          </a:xfrm>
-          <a:prstGeom prst="line">
+          <a:xfrm flipV="1">
+            <a:off x="7889217" y="595761"/>
+            <a:ext cx="824434" cy="474649"/>
+          </a:xfrm>
+          <a:prstGeom prst="straightConnector1">
             <a:avLst/>
           </a:prstGeom>
           <a:ln>
             <a:solidFill>
               <a:srgbClr val="00B050"/>
             </a:solidFill>
-            <a:prstDash val="dash"/>
+            <a:tailEnd type="triangle"/>
           </a:ln>
         </p:spPr>
         <p:style>
@@ -4912,14 +4966,14 @@
       </p:cxnSp>
       <p:sp>
         <p:nvSpPr>
-          <p:cNvPr id="28" name="文本框 27"/>
+          <p:cNvPr id="33" name="文本框 32"/>
           <p:cNvSpPr txBox="1"/>
           <p:nvPr/>
         </p:nvSpPr>
         <p:spPr>
           <a:xfrm>
-            <a:off x="2730046" y="2682294"/>
-            <a:ext cx="509361" cy="307777"/>
+            <a:off x="9192554" y="1056671"/>
+            <a:ext cx="3632200" cy="523220"/>
           </a:xfrm>
           <a:prstGeom prst="rect">
             <a:avLst/>
@@ -4933,86 +4987,32 @@
           <a:lstStyle/>
           <a:p>
             <a:r>
-              <a:rPr lang="en-US" altLang="zh-CN" sz="1400" dirty="0" smtClean="0">
-                <a:solidFill>
-                  <a:srgbClr val="00B050"/>
-                </a:solidFill>
-              </a:rPr>
-              <a:t>Pc</a:t>
-            </a:r>
-            <a:endParaRPr lang="zh-TW" altLang="en-US" sz="1400" dirty="0">
-              <a:solidFill>
-                <a:srgbClr val="00B050"/>
-              </a:solidFill>
-            </a:endParaRPr>
-          </a:p>
-        </p:txBody>
-      </p:sp>
-      <p:sp>
-        <p:nvSpPr>
-          <p:cNvPr id="29" name="文本框 28"/>
-          <p:cNvSpPr txBox="1"/>
-          <p:nvPr/>
-        </p:nvSpPr>
-        <p:spPr>
-          <a:xfrm>
-            <a:off x="3519487" y="2947477"/>
-            <a:ext cx="1606550" cy="200055"/>
-          </a:xfrm>
-          <a:prstGeom prst="rect">
-            <a:avLst/>
-          </a:prstGeom>
-          <a:noFill/>
-        </p:spPr>
-        <p:txBody>
-          <a:bodyPr wrap="square" rtlCol="0">
-            <a:spAutoFit/>
-          </a:bodyPr>
-          <a:lstStyle/>
-          <a:p>
-            <a:r>
-              <a:rPr lang="zh-CN" altLang="en-US" sz="700" dirty="0" smtClean="0">
-                <a:solidFill>
-                  <a:srgbClr val="00B050"/>
-                </a:solidFill>
-              </a:rPr>
-              <a:t>   </a:t>
-            </a:r>
-            <a:r>
-              <a:rPr lang="zh-CN" altLang="en-US" sz="700" dirty="0" smtClean="0">
-                <a:solidFill>
-                  <a:srgbClr val="00B050"/>
-                </a:solidFill>
-              </a:rPr>
-              <a:t>产生过度需求</a:t>
-            </a:r>
-            <a:endParaRPr lang="zh-TW" altLang="en-US" sz="700" dirty="0">
-              <a:solidFill>
-                <a:srgbClr val="00B050"/>
-              </a:solidFill>
-            </a:endParaRPr>
+              <a:rPr lang="zh-CN" altLang="en-US" sz="1400" dirty="0" smtClean="0"/>
+              <a:t>假设是线性定价（市场特点，非市场也可以是曲线）</a:t>
+            </a:r>
+            <a:endParaRPr lang="zh-TW" altLang="en-US" sz="1400" dirty="0"/>
           </a:p>
         </p:txBody>
       </p:sp>
       <p:cxnSp>
         <p:nvCxnSpPr>
-          <p:cNvPr id="30" name="直接连接符 29"/>
+          <p:cNvPr id="34" name="直接连接符 33"/>
           <p:cNvCxnSpPr/>
           <p:nvPr/>
         </p:nvCxnSpPr>
         <p:spPr>
           <a:xfrm flipH="1">
-            <a:off x="3729153" y="2841854"/>
-            <a:ext cx="389219" cy="0"/>
+            <a:off x="7595983" y="1284972"/>
+            <a:ext cx="1475921" cy="0"/>
           </a:xfrm>
           <a:prstGeom prst="line">
             <a:avLst/>
           </a:prstGeom>
           <a:ln>
             <a:solidFill>
-              <a:srgbClr val="00B050"/>
+              <a:schemeClr val="tx1"/>
             </a:solidFill>
-            <a:prstDash val="lgDashDot"/>
+            <a:prstDash val="lgDash"/>
           </a:ln>
         </p:spPr>
         <p:style>
@@ -5030,96 +5030,16 @@
           </a:fontRef>
         </p:style>
       </p:cxnSp>
-      <p:sp>
-        <p:nvSpPr>
-          <p:cNvPr id="31" name="右大括号 30"/>
-          <p:cNvSpPr/>
-          <p:nvPr/>
-        </p:nvSpPr>
-        <p:spPr>
-          <a:xfrm rot="5400000" flipV="1">
-            <a:off x="3880898" y="2701355"/>
-            <a:ext cx="81310" cy="393644"/>
-          </a:xfrm>
-          <a:prstGeom prst="rightBrace">
-            <a:avLst>
-              <a:gd name="adj1" fmla="val 39572"/>
-              <a:gd name="adj2" fmla="val 50000"/>
-            </a:avLst>
-          </a:prstGeom>
-          <a:ln>
-            <a:solidFill>
-              <a:srgbClr val="00B050"/>
-            </a:solidFill>
-          </a:ln>
-        </p:spPr>
-        <p:style>
-          <a:lnRef idx="1">
-            <a:schemeClr val="accent1"/>
-          </a:lnRef>
-          <a:fillRef idx="0">
-            <a:schemeClr val="accent1"/>
-          </a:fillRef>
-          <a:effectRef idx="0">
-            <a:schemeClr val="accent1"/>
-          </a:effectRef>
-          <a:fontRef idx="minor">
-            <a:schemeClr val="tx1"/>
-          </a:fontRef>
-        </p:style>
-        <p:txBody>
-          <a:bodyPr rtlCol="0" anchor="ctr"/>
-          <a:lstStyle/>
-          <a:p>
-            <a:pPr algn="ctr"/>
-            <a:endParaRPr lang="zh-TW" altLang="en-US"/>
-          </a:p>
-        </p:txBody>
-      </p:sp>
-      <p:sp>
-        <p:nvSpPr>
-          <p:cNvPr id="42" name="文本框 41"/>
-          <p:cNvSpPr txBox="1"/>
-          <p:nvPr/>
-        </p:nvSpPr>
-        <p:spPr>
-          <a:xfrm>
-            <a:off x="2730046" y="4647457"/>
-            <a:ext cx="1606550" cy="307777"/>
-          </a:xfrm>
-          <a:prstGeom prst="rect">
-            <a:avLst/>
-          </a:prstGeom>
-          <a:noFill/>
-        </p:spPr>
-        <p:txBody>
-          <a:bodyPr wrap="square" rtlCol="0">
-            <a:spAutoFit/>
-          </a:bodyPr>
-          <a:lstStyle/>
-          <a:p>
-            <a:r>
-              <a:rPr lang="zh-CN" altLang="en-US" sz="1400" dirty="0" smtClean="0"/>
-              <a:t>   </a:t>
-            </a:r>
-            <a:r>
-              <a:rPr lang="zh-CN" altLang="en-US" sz="1400" dirty="0" smtClean="0"/>
-              <a:t>产生过度供给</a:t>
-            </a:r>
-            <a:endParaRPr lang="zh-TW" altLang="en-US" sz="1400" dirty="0"/>
-          </a:p>
-        </p:txBody>
-      </p:sp>
       <p:cxnSp>
         <p:nvCxnSpPr>
-          <p:cNvPr id="44" name="直接箭头连接符 43"/>
+          <p:cNvPr id="35" name="直接箭头连接符 34"/>
           <p:cNvCxnSpPr/>
           <p:nvPr/>
         </p:nvCxnSpPr>
         <p:spPr>
           <a:xfrm flipV="1">
-            <a:off x="4049874" y="4478181"/>
-            <a:ext cx="286722" cy="286722"/>
+            <a:off x="1270001" y="4165217"/>
+            <a:ext cx="0" cy="1923143"/>
           </a:xfrm>
           <a:prstGeom prst="straightConnector1">
             <a:avLst/>
@@ -5148,14 +5068,14 @@
       </p:cxnSp>
       <p:cxnSp>
         <p:nvCxnSpPr>
-          <p:cNvPr id="47" name="直接箭头连接符 46"/>
+          <p:cNvPr id="36" name="直接箭头连接符 35"/>
           <p:cNvCxnSpPr/>
           <p:nvPr/>
         </p:nvCxnSpPr>
         <p:spPr>
           <a:xfrm>
-            <a:off x="4049874" y="4813621"/>
-            <a:ext cx="286722" cy="286722"/>
+            <a:off x="1143001" y="5950474"/>
+            <a:ext cx="2009321" cy="0"/>
           </a:xfrm>
           <a:prstGeom prst="straightConnector1">
             <a:avLst/>
@@ -5182,85 +5102,24 @@
           </a:fontRef>
         </p:style>
       </p:cxnSp>
-      <p:sp>
-        <p:nvSpPr>
-          <p:cNvPr id="48" name="文本框 47"/>
-          <p:cNvSpPr txBox="1"/>
-          <p:nvPr/>
-        </p:nvSpPr>
-        <p:spPr>
-          <a:xfrm>
-            <a:off x="4367736" y="4333022"/>
-            <a:ext cx="2764996" cy="307777"/>
-          </a:xfrm>
-          <a:prstGeom prst="rect">
-            <a:avLst/>
-          </a:prstGeom>
-          <a:noFill/>
-        </p:spPr>
-        <p:txBody>
-          <a:bodyPr wrap="square" rtlCol="0">
-            <a:spAutoFit/>
-          </a:bodyPr>
-          <a:lstStyle/>
-          <a:p>
-            <a:r>
-              <a:rPr lang="zh-CN" altLang="en-US" sz="1400" strike="sngStrike" dirty="0" smtClean="0"/>
-              <a:t>厂商竞争消费者（降低价格）</a:t>
-            </a:r>
-            <a:endParaRPr lang="zh-TW" altLang="en-US" sz="1400" strike="sngStrike" dirty="0"/>
-          </a:p>
-        </p:txBody>
-      </p:sp>
-      <p:sp>
-        <p:nvSpPr>
-          <p:cNvPr id="49" name="文本框 48"/>
-          <p:cNvSpPr txBox="1"/>
-          <p:nvPr/>
-        </p:nvSpPr>
-        <p:spPr>
-          <a:xfrm>
-            <a:off x="4367736" y="4938550"/>
-            <a:ext cx="2764996" cy="307777"/>
-          </a:xfrm>
-          <a:prstGeom prst="rect">
-            <a:avLst/>
-          </a:prstGeom>
-          <a:noFill/>
-        </p:spPr>
-        <p:txBody>
-          <a:bodyPr wrap="square" rtlCol="0">
-            <a:spAutoFit/>
-          </a:bodyPr>
-          <a:lstStyle/>
-          <a:p>
-            <a:r>
-              <a:rPr lang="zh-CN" altLang="en-US" sz="1400" dirty="0" smtClean="0"/>
-              <a:t>产生配给机制</a:t>
-            </a:r>
-            <a:endParaRPr lang="zh-TW" altLang="en-US" sz="1400" dirty="0"/>
-          </a:p>
-        </p:txBody>
-      </p:sp>
       <p:cxnSp>
         <p:nvCxnSpPr>
-          <p:cNvPr id="51" name="直接箭头连接符 50"/>
+          <p:cNvPr id="37" name="直接连接符 36"/>
           <p:cNvCxnSpPr/>
           <p:nvPr/>
         </p:nvCxnSpPr>
         <p:spPr>
-          <a:xfrm>
-            <a:off x="6883899" y="4478181"/>
-            <a:ext cx="480060" cy="0"/>
-          </a:xfrm>
-          <a:prstGeom prst="straightConnector1">
+          <a:xfrm flipV="1">
+            <a:off x="1268935" y="4731274"/>
+            <a:ext cx="925285" cy="1219200"/>
+          </a:xfrm>
+          <a:prstGeom prst="line">
             <a:avLst/>
           </a:prstGeom>
           <a:ln>
             <a:solidFill>
               <a:schemeClr val="tx1"/>
             </a:solidFill>
-            <a:tailEnd type="triangle"/>
           </a:ln>
         </p:spPr>
         <p:style>
@@ -5280,14 +5139,14 @@
       </p:cxnSp>
       <p:sp>
         <p:nvSpPr>
-          <p:cNvPr id="53" name="文本框 52"/>
+          <p:cNvPr id="38" name="文本框 37"/>
           <p:cNvSpPr txBox="1"/>
           <p:nvPr/>
         </p:nvSpPr>
         <p:spPr>
           <a:xfrm>
-            <a:off x="7444579" y="4333021"/>
-            <a:ext cx="2764996" cy="523220"/>
+            <a:off x="879022" y="4069060"/>
+            <a:ext cx="171450" cy="369332"/>
           </a:xfrm>
           <a:prstGeom prst="rect">
             <a:avLst/>
@@ -5301,24 +5160,189 @@
           <a:lstStyle/>
           <a:p>
             <a:r>
-              <a:rPr lang="zh-CN" altLang="en-US" sz="1400" dirty="0" smtClean="0"/>
-              <a:t>黄牛使价格不按价格上限执行</a:t>
-            </a:r>
-            <a:endParaRPr lang="en-US" altLang="zh-CN" sz="1400" dirty="0" smtClean="0"/>
-          </a:p>
-          <a:p>
-            <a:r>
-              <a:rPr lang="zh-CN" altLang="en-US" sz="1400" dirty="0" smtClean="0"/>
-              <a:t>（恢复价格机制）</a:t>
-            </a:r>
-            <a:endParaRPr lang="zh-TW" altLang="en-US" sz="1400" dirty="0"/>
+              <a:rPr lang="en-US" altLang="zh-TW" dirty="0" smtClean="0"/>
+              <a:t>P</a:t>
+            </a:r>
+            <a:endParaRPr lang="zh-TW" altLang="en-US" dirty="0"/>
+          </a:p>
+        </p:txBody>
+      </p:sp>
+      <p:sp>
+        <p:nvSpPr>
+          <p:cNvPr id="41" name="等腰三角形 40"/>
+          <p:cNvSpPr/>
+          <p:nvPr/>
+        </p:nvSpPr>
+        <p:spPr>
+          <a:xfrm flipV="1">
+            <a:off x="1273664" y="5117116"/>
+            <a:ext cx="616017" cy="815022"/>
+          </a:xfrm>
+          <a:prstGeom prst="triangle">
+            <a:avLst>
+              <a:gd name="adj" fmla="val 0"/>
+            </a:avLst>
+          </a:prstGeom>
+          <a:solidFill>
+            <a:schemeClr val="accent4">
+              <a:lumMod val="40000"/>
+              <a:lumOff val="60000"/>
+            </a:schemeClr>
+          </a:solidFill>
+          <a:ln>
+            <a:noFill/>
+          </a:ln>
+        </p:spPr>
+        <p:style>
+          <a:lnRef idx="2">
+            <a:schemeClr val="accent1">
+              <a:shade val="50000"/>
+            </a:schemeClr>
+          </a:lnRef>
+          <a:fillRef idx="1">
+            <a:schemeClr val="accent1"/>
+          </a:fillRef>
+          <a:effectRef idx="0">
+            <a:schemeClr val="accent1"/>
+          </a:effectRef>
+          <a:fontRef idx="minor">
+            <a:schemeClr val="lt1"/>
+          </a:fontRef>
+        </p:style>
+        <p:txBody>
+          <a:bodyPr rtlCol="0" anchor="ctr"/>
+          <a:lstStyle/>
+          <a:p>
+            <a:pPr algn="ctr"/>
+            <a:endParaRPr lang="zh-TW" altLang="en-US"/>
+          </a:p>
+        </p:txBody>
+      </p:sp>
+      <p:cxnSp>
+        <p:nvCxnSpPr>
+          <p:cNvPr id="42" name="直接箭头连接符 41"/>
+          <p:cNvCxnSpPr/>
+          <p:nvPr/>
+        </p:nvCxnSpPr>
+        <p:spPr>
+          <a:xfrm>
+            <a:off x="1494518" y="5413926"/>
+            <a:ext cx="531201" cy="94382"/>
+          </a:xfrm>
+          <a:prstGeom prst="straightConnector1">
+            <a:avLst/>
+          </a:prstGeom>
+          <a:ln>
+            <a:solidFill>
+              <a:srgbClr val="00B050"/>
+            </a:solidFill>
+            <a:tailEnd type="triangle"/>
+          </a:ln>
+        </p:spPr>
+        <p:style>
+          <a:lnRef idx="1">
+            <a:schemeClr val="accent1"/>
+          </a:lnRef>
+          <a:fillRef idx="0">
+            <a:schemeClr val="accent1"/>
+          </a:fillRef>
+          <a:effectRef idx="0">
+            <a:schemeClr val="accent1"/>
+          </a:effectRef>
+          <a:fontRef idx="minor">
+            <a:schemeClr val="tx1"/>
+          </a:fontRef>
+        </p:style>
+      </p:cxnSp>
+      <p:cxnSp>
+        <p:nvCxnSpPr>
+          <p:cNvPr id="45" name="直接连接符 44"/>
+          <p:cNvCxnSpPr>
+            <a:stCxn id="31" idx="4"/>
+          </p:cNvCxnSpPr>
+          <p:nvPr/>
+        </p:nvCxnSpPr>
+        <p:spPr>
+          <a:xfrm>
+            <a:off x="1889681" y="5138784"/>
+            <a:ext cx="0" cy="820532"/>
+          </a:xfrm>
+          <a:prstGeom prst="line">
+            <a:avLst/>
+          </a:prstGeom>
+          <a:ln>
+            <a:solidFill>
+              <a:srgbClr val="00B050"/>
+            </a:solidFill>
+            <a:prstDash val="dashDot"/>
+          </a:ln>
+        </p:spPr>
+        <p:style>
+          <a:lnRef idx="1">
+            <a:schemeClr val="accent1"/>
+          </a:lnRef>
+          <a:fillRef idx="0">
+            <a:schemeClr val="accent1"/>
+          </a:fillRef>
+          <a:effectRef idx="0">
+            <a:schemeClr val="accent1"/>
+          </a:effectRef>
+          <a:fontRef idx="minor">
+            <a:schemeClr val="tx1"/>
+          </a:fontRef>
+        </p:style>
+      </p:cxnSp>
+      <p:sp>
+        <p:nvSpPr>
+          <p:cNvPr id="46" name="文本框 45"/>
+          <p:cNvSpPr txBox="1"/>
+          <p:nvPr/>
+        </p:nvSpPr>
+        <p:spPr>
+          <a:xfrm>
+            <a:off x="1694265" y="5906244"/>
+            <a:ext cx="448891" cy="307777"/>
+          </a:xfrm>
+          <a:prstGeom prst="rect">
+            <a:avLst/>
+          </a:prstGeom>
+          <a:noFill/>
+        </p:spPr>
+        <p:txBody>
+          <a:bodyPr wrap="square" rtlCol="0">
+            <a:spAutoFit/>
+          </a:bodyPr>
+          <a:lstStyle/>
+          <a:p>
+            <a:pPr algn="ctr"/>
+            <a:r>
+              <a:rPr lang="en-US" altLang="zh-TW" sz="1400" dirty="0" smtClean="0">
+                <a:solidFill>
+                  <a:srgbClr val="00B050"/>
+                </a:solidFill>
+              </a:rPr>
+              <a:t>Q</a:t>
+            </a:r>
+            <a:r>
+              <a:rPr lang="zh-CN" altLang="en-US" sz="1400" dirty="0" smtClean="0">
+                <a:solidFill>
+                  <a:srgbClr val="00B050"/>
+                </a:solidFill>
+              </a:rPr>
+              <a:t>*</a:t>
+            </a:r>
+            <a:endParaRPr lang="zh-TW" altLang="en-US" sz="1400" dirty="0">
+              <a:solidFill>
+                <a:srgbClr val="00B050"/>
+              </a:solidFill>
+            </a:endParaRPr>
           </a:p>
         </p:txBody>
       </p:sp>
     </p:spTree>
     <p:extLst>
       <p:ext uri="{BB962C8B-B14F-4D97-AF65-F5344CB8AC3E}">
-        <p14:creationId xmlns:p14="http://schemas.microsoft.com/office/powerpoint/2010/main" val="4087097789"/>
+        <p14:creationId xmlns:p14="http://schemas.microsoft.com/office/powerpoint/2010/main" val="3943092995"/>
       </p:ext>
     </p:extLst>
   </p:cSld>
@@ -5352,6 +5376,1854 @@
           <a:chExt cx="0" cy="0"/>
         </a:xfrm>
       </p:grpSpPr>
+      <p:sp>
+        <p:nvSpPr>
+          <p:cNvPr id="45" name="矩形 44"/>
+          <p:cNvSpPr/>
+          <p:nvPr/>
+        </p:nvSpPr>
+        <p:spPr>
+          <a:xfrm>
+            <a:off x="2382804" y="865773"/>
+            <a:ext cx="316208" cy="851179"/>
+          </a:xfrm>
+          <a:prstGeom prst="rect">
+            <a:avLst/>
+          </a:prstGeom>
+          <a:solidFill>
+            <a:schemeClr val="bg1">
+              <a:lumMod val="85000"/>
+            </a:schemeClr>
+          </a:solidFill>
+          <a:ln>
+            <a:noFill/>
+          </a:ln>
+        </p:spPr>
+        <p:style>
+          <a:lnRef idx="2">
+            <a:schemeClr val="accent1">
+              <a:shade val="50000"/>
+            </a:schemeClr>
+          </a:lnRef>
+          <a:fillRef idx="1">
+            <a:schemeClr val="accent1"/>
+          </a:fillRef>
+          <a:effectRef idx="0">
+            <a:schemeClr val="accent1"/>
+          </a:effectRef>
+          <a:fontRef idx="minor">
+            <a:schemeClr val="lt1"/>
+          </a:fontRef>
+        </p:style>
+        <p:txBody>
+          <a:bodyPr rtlCol="0" anchor="ctr"/>
+          <a:lstStyle/>
+          <a:p>
+            <a:pPr algn="ctr"/>
+            <a:endParaRPr lang="zh-TW" altLang="en-US"/>
+          </a:p>
+        </p:txBody>
+      </p:sp>
+      <p:sp>
+        <p:nvSpPr>
+          <p:cNvPr id="19" name="等腰三角形 18"/>
+          <p:cNvSpPr/>
+          <p:nvPr/>
+        </p:nvSpPr>
+        <p:spPr>
+          <a:xfrm rot="5400000">
+            <a:off x="2389157" y="3222863"/>
+            <a:ext cx="833787" cy="321440"/>
+          </a:xfrm>
+          <a:prstGeom prst="triangle">
+            <a:avLst/>
+          </a:prstGeom>
+          <a:solidFill>
+            <a:schemeClr val="bg1">
+              <a:lumMod val="85000"/>
+            </a:schemeClr>
+          </a:solidFill>
+          <a:ln>
+            <a:noFill/>
+          </a:ln>
+        </p:spPr>
+        <p:style>
+          <a:lnRef idx="2">
+            <a:schemeClr val="accent1">
+              <a:shade val="50000"/>
+            </a:schemeClr>
+          </a:lnRef>
+          <a:fillRef idx="1">
+            <a:schemeClr val="accent1"/>
+          </a:fillRef>
+          <a:effectRef idx="0">
+            <a:schemeClr val="accent1"/>
+          </a:effectRef>
+          <a:fontRef idx="minor">
+            <a:schemeClr val="lt1"/>
+          </a:fontRef>
+        </p:style>
+        <p:txBody>
+          <a:bodyPr rtlCol="0" anchor="ctr"/>
+          <a:lstStyle/>
+          <a:p>
+            <a:pPr algn="ctr"/>
+            <a:endParaRPr lang="zh-TW" altLang="en-US"/>
+          </a:p>
+        </p:txBody>
+      </p:sp>
+      <p:sp>
+        <p:nvSpPr>
+          <p:cNvPr id="4" name="文本框 3"/>
+          <p:cNvSpPr txBox="1"/>
+          <p:nvPr/>
+        </p:nvSpPr>
+        <p:spPr>
+          <a:xfrm>
+            <a:off x="3390369" y="2661827"/>
+            <a:ext cx="2845707" cy="738664"/>
+          </a:xfrm>
+          <a:prstGeom prst="rect">
+            <a:avLst/>
+          </a:prstGeom>
+          <a:noFill/>
+        </p:spPr>
+        <p:txBody>
+          <a:bodyPr wrap="square" rtlCol="0">
+            <a:spAutoFit/>
+          </a:bodyPr>
+          <a:lstStyle/>
+          <a:p>
+            <a:r>
+              <a:rPr lang="zh-CN" altLang="en-US" sz="1400" dirty="0" smtClean="0">
+                <a:solidFill>
+                  <a:srgbClr val="00B050"/>
+                </a:solidFill>
+              </a:rPr>
+              <a:t>不考虑过量需求的人（认为他们就只是没买到东西）：至少的市场无效率</a:t>
+            </a:r>
+            <a:endParaRPr lang="zh-TW" altLang="en-US" sz="1400" dirty="0">
+              <a:solidFill>
+                <a:srgbClr val="00B050"/>
+              </a:solidFill>
+            </a:endParaRPr>
+          </a:p>
+        </p:txBody>
+      </p:sp>
+      <p:cxnSp>
+        <p:nvCxnSpPr>
+          <p:cNvPr id="5" name="直接连接符 4"/>
+          <p:cNvCxnSpPr/>
+          <p:nvPr/>
+        </p:nvCxnSpPr>
+        <p:spPr>
+          <a:xfrm>
+            <a:off x="2348435" y="2559177"/>
+            <a:ext cx="1011509" cy="1332813"/>
+          </a:xfrm>
+          <a:prstGeom prst="line">
+            <a:avLst/>
+          </a:prstGeom>
+          <a:ln>
+            <a:solidFill>
+              <a:schemeClr val="tx1"/>
+            </a:solidFill>
+          </a:ln>
+        </p:spPr>
+        <p:style>
+          <a:lnRef idx="1">
+            <a:schemeClr val="accent1"/>
+          </a:lnRef>
+          <a:fillRef idx="0">
+            <a:schemeClr val="accent1"/>
+          </a:fillRef>
+          <a:effectRef idx="0">
+            <a:schemeClr val="accent1"/>
+          </a:effectRef>
+          <a:fontRef idx="minor">
+            <a:schemeClr val="tx1"/>
+          </a:fontRef>
+        </p:style>
+      </p:cxnSp>
+      <p:sp>
+        <p:nvSpPr>
+          <p:cNvPr id="6" name="文本框 5"/>
+          <p:cNvSpPr txBox="1"/>
+          <p:nvPr/>
+        </p:nvSpPr>
+        <p:spPr>
+          <a:xfrm>
+            <a:off x="4147928" y="4157444"/>
+            <a:ext cx="171450" cy="369332"/>
+          </a:xfrm>
+          <a:prstGeom prst="rect">
+            <a:avLst/>
+          </a:prstGeom>
+          <a:noFill/>
+        </p:spPr>
+        <p:txBody>
+          <a:bodyPr wrap="square" rtlCol="0">
+            <a:spAutoFit/>
+          </a:bodyPr>
+          <a:lstStyle/>
+          <a:p>
+            <a:r>
+              <a:rPr lang="en-US" altLang="zh-TW" dirty="0" smtClean="0"/>
+              <a:t>Q</a:t>
+            </a:r>
+            <a:endParaRPr lang="zh-TW" altLang="en-US" dirty="0"/>
+          </a:p>
+        </p:txBody>
+      </p:sp>
+      <p:cxnSp>
+        <p:nvCxnSpPr>
+          <p:cNvPr id="8" name="直接箭头连接符 7"/>
+          <p:cNvCxnSpPr/>
+          <p:nvPr/>
+        </p:nvCxnSpPr>
+        <p:spPr>
+          <a:xfrm flipV="1">
+            <a:off x="2349501" y="2418967"/>
+            <a:ext cx="0" cy="1923143"/>
+          </a:xfrm>
+          <a:prstGeom prst="straightConnector1">
+            <a:avLst/>
+          </a:prstGeom>
+          <a:ln>
+            <a:solidFill>
+              <a:schemeClr val="tx1"/>
+            </a:solidFill>
+            <a:tailEnd type="triangle"/>
+          </a:ln>
+        </p:spPr>
+        <p:style>
+          <a:lnRef idx="1">
+            <a:schemeClr val="accent1"/>
+          </a:lnRef>
+          <a:fillRef idx="0">
+            <a:schemeClr val="accent1"/>
+          </a:fillRef>
+          <a:effectRef idx="0">
+            <a:schemeClr val="accent1"/>
+          </a:effectRef>
+          <a:fontRef idx="minor">
+            <a:schemeClr val="tx1"/>
+          </a:fontRef>
+        </p:style>
+      </p:cxnSp>
+      <p:cxnSp>
+        <p:nvCxnSpPr>
+          <p:cNvPr id="9" name="直接箭头连接符 8"/>
+          <p:cNvCxnSpPr/>
+          <p:nvPr/>
+        </p:nvCxnSpPr>
+        <p:spPr>
+          <a:xfrm>
+            <a:off x="2222501" y="4204224"/>
+            <a:ext cx="2009321" cy="0"/>
+          </a:xfrm>
+          <a:prstGeom prst="straightConnector1">
+            <a:avLst/>
+          </a:prstGeom>
+          <a:ln>
+            <a:solidFill>
+              <a:schemeClr val="tx1"/>
+            </a:solidFill>
+            <a:tailEnd type="triangle"/>
+          </a:ln>
+        </p:spPr>
+        <p:style>
+          <a:lnRef idx="1">
+            <a:schemeClr val="accent1"/>
+          </a:lnRef>
+          <a:fillRef idx="0">
+            <a:schemeClr val="accent1"/>
+          </a:fillRef>
+          <a:effectRef idx="0">
+            <a:schemeClr val="accent1"/>
+          </a:effectRef>
+          <a:fontRef idx="minor">
+            <a:schemeClr val="tx1"/>
+          </a:fontRef>
+        </p:style>
+      </p:cxnSp>
+      <p:cxnSp>
+        <p:nvCxnSpPr>
+          <p:cNvPr id="10" name="直接连接符 9"/>
+          <p:cNvCxnSpPr/>
+          <p:nvPr/>
+        </p:nvCxnSpPr>
+        <p:spPr>
+          <a:xfrm flipV="1">
+            <a:off x="2348435" y="2985024"/>
+            <a:ext cx="925285" cy="1219200"/>
+          </a:xfrm>
+          <a:prstGeom prst="line">
+            <a:avLst/>
+          </a:prstGeom>
+          <a:ln>
+            <a:solidFill>
+              <a:schemeClr val="tx1"/>
+            </a:solidFill>
+          </a:ln>
+        </p:spPr>
+        <p:style>
+          <a:lnRef idx="1">
+            <a:schemeClr val="accent1"/>
+          </a:lnRef>
+          <a:fillRef idx="0">
+            <a:schemeClr val="accent1"/>
+          </a:fillRef>
+          <a:effectRef idx="0">
+            <a:schemeClr val="accent1"/>
+          </a:effectRef>
+          <a:fontRef idx="minor">
+            <a:schemeClr val="tx1"/>
+          </a:fontRef>
+        </p:style>
+      </p:cxnSp>
+      <p:sp>
+        <p:nvSpPr>
+          <p:cNvPr id="11" name="文本框 10"/>
+          <p:cNvSpPr txBox="1"/>
+          <p:nvPr/>
+        </p:nvSpPr>
+        <p:spPr>
+          <a:xfrm>
+            <a:off x="1958522" y="2322810"/>
+            <a:ext cx="171450" cy="369332"/>
+          </a:xfrm>
+          <a:prstGeom prst="rect">
+            <a:avLst/>
+          </a:prstGeom>
+          <a:noFill/>
+        </p:spPr>
+        <p:txBody>
+          <a:bodyPr wrap="square" rtlCol="0">
+            <a:spAutoFit/>
+          </a:bodyPr>
+          <a:lstStyle/>
+          <a:p>
+            <a:r>
+              <a:rPr lang="en-US" altLang="zh-TW" dirty="0" smtClean="0"/>
+              <a:t>P</a:t>
+            </a:r>
+            <a:endParaRPr lang="zh-TW" altLang="en-US" dirty="0"/>
+          </a:p>
+        </p:txBody>
+      </p:sp>
+      <p:cxnSp>
+        <p:nvCxnSpPr>
+          <p:cNvPr id="14" name="直接连接符 13"/>
+          <p:cNvCxnSpPr/>
+          <p:nvPr/>
+        </p:nvCxnSpPr>
+        <p:spPr>
+          <a:xfrm>
+            <a:off x="2969181" y="3392534"/>
+            <a:ext cx="0" cy="820532"/>
+          </a:xfrm>
+          <a:prstGeom prst="line">
+            <a:avLst/>
+          </a:prstGeom>
+          <a:ln>
+            <a:solidFill>
+              <a:schemeClr val="tx1"/>
+            </a:solidFill>
+            <a:prstDash val="dashDot"/>
+          </a:ln>
+        </p:spPr>
+        <p:style>
+          <a:lnRef idx="1">
+            <a:schemeClr val="accent1"/>
+          </a:lnRef>
+          <a:fillRef idx="0">
+            <a:schemeClr val="accent1"/>
+          </a:fillRef>
+          <a:effectRef idx="0">
+            <a:schemeClr val="accent1"/>
+          </a:effectRef>
+          <a:fontRef idx="minor">
+            <a:schemeClr val="tx1"/>
+          </a:fontRef>
+        </p:style>
+      </p:cxnSp>
+      <p:sp>
+        <p:nvSpPr>
+          <p:cNvPr id="15" name="文本框 14"/>
+          <p:cNvSpPr txBox="1"/>
+          <p:nvPr/>
+        </p:nvSpPr>
+        <p:spPr>
+          <a:xfrm>
+            <a:off x="2773765" y="4159994"/>
+            <a:ext cx="448891" cy="307777"/>
+          </a:xfrm>
+          <a:prstGeom prst="rect">
+            <a:avLst/>
+          </a:prstGeom>
+          <a:noFill/>
+        </p:spPr>
+        <p:txBody>
+          <a:bodyPr wrap="square" rtlCol="0">
+            <a:spAutoFit/>
+          </a:bodyPr>
+          <a:lstStyle/>
+          <a:p>
+            <a:pPr algn="ctr"/>
+            <a:r>
+              <a:rPr lang="en-US" altLang="zh-TW" sz="1400" dirty="0" smtClean="0"/>
+              <a:t>Q</a:t>
+            </a:r>
+            <a:r>
+              <a:rPr lang="zh-CN" altLang="en-US" sz="1400" dirty="0" smtClean="0"/>
+              <a:t>*</a:t>
+            </a:r>
+            <a:endParaRPr lang="zh-TW" altLang="en-US" sz="1400" dirty="0"/>
+          </a:p>
+        </p:txBody>
+      </p:sp>
+      <p:cxnSp>
+        <p:nvCxnSpPr>
+          <p:cNvPr id="16" name="直接连接符 15"/>
+          <p:cNvCxnSpPr/>
+          <p:nvPr/>
+        </p:nvCxnSpPr>
+        <p:spPr>
+          <a:xfrm>
+            <a:off x="2645331" y="2985024"/>
+            <a:ext cx="0" cy="1200864"/>
+          </a:xfrm>
+          <a:prstGeom prst="line">
+            <a:avLst/>
+          </a:prstGeom>
+          <a:ln>
+            <a:solidFill>
+              <a:schemeClr val="tx1"/>
+            </a:solidFill>
+            <a:prstDash val="dashDot"/>
+          </a:ln>
+        </p:spPr>
+        <p:style>
+          <a:lnRef idx="1">
+            <a:schemeClr val="accent1"/>
+          </a:lnRef>
+          <a:fillRef idx="0">
+            <a:schemeClr val="accent1"/>
+          </a:fillRef>
+          <a:effectRef idx="0">
+            <a:schemeClr val="accent1"/>
+          </a:effectRef>
+          <a:fontRef idx="minor">
+            <a:schemeClr val="tx1"/>
+          </a:fontRef>
+        </p:style>
+      </p:cxnSp>
+      <p:sp>
+        <p:nvSpPr>
+          <p:cNvPr id="18" name="文本框 17"/>
+          <p:cNvSpPr txBox="1"/>
+          <p:nvPr/>
+        </p:nvSpPr>
+        <p:spPr>
+          <a:xfrm>
+            <a:off x="2417154" y="4171589"/>
+            <a:ext cx="586396" cy="307777"/>
+          </a:xfrm>
+          <a:prstGeom prst="rect">
+            <a:avLst/>
+          </a:prstGeom>
+          <a:noFill/>
+        </p:spPr>
+        <p:txBody>
+          <a:bodyPr wrap="square" rtlCol="0">
+            <a:spAutoFit/>
+          </a:bodyPr>
+          <a:lstStyle/>
+          <a:p>
+            <a:pPr algn="ctr"/>
+            <a:r>
+              <a:rPr lang="en-US" altLang="zh-TW" sz="1400" dirty="0" smtClean="0">
+                <a:solidFill>
+                  <a:srgbClr val="00B050"/>
+                </a:solidFill>
+              </a:rPr>
+              <a:t>Q</a:t>
+            </a:r>
+            <a:r>
+              <a:rPr lang="zh-CN" altLang="en-US" sz="1400" dirty="0" smtClean="0">
+                <a:solidFill>
+                  <a:srgbClr val="00B050"/>
+                </a:solidFill>
+              </a:rPr>
+              <a:t>**</a:t>
+            </a:r>
+            <a:endParaRPr lang="zh-TW" altLang="en-US" sz="1400" dirty="0">
+              <a:solidFill>
+                <a:srgbClr val="00B050"/>
+              </a:solidFill>
+            </a:endParaRPr>
+          </a:p>
+        </p:txBody>
+      </p:sp>
+      <p:cxnSp>
+        <p:nvCxnSpPr>
+          <p:cNvPr id="13" name="直接箭头连接符 12"/>
+          <p:cNvCxnSpPr/>
+          <p:nvPr/>
+        </p:nvCxnSpPr>
+        <p:spPr>
+          <a:xfrm flipV="1">
+            <a:off x="2726534" y="3128988"/>
+            <a:ext cx="597691" cy="75053"/>
+          </a:xfrm>
+          <a:prstGeom prst="straightConnector1">
+            <a:avLst/>
+          </a:prstGeom>
+          <a:ln>
+            <a:solidFill>
+              <a:srgbClr val="00B050"/>
+            </a:solidFill>
+            <a:tailEnd type="triangle"/>
+          </a:ln>
+        </p:spPr>
+        <p:style>
+          <a:lnRef idx="1">
+            <a:schemeClr val="accent1"/>
+          </a:lnRef>
+          <a:fillRef idx="0">
+            <a:schemeClr val="accent1"/>
+          </a:fillRef>
+          <a:effectRef idx="0">
+            <a:schemeClr val="accent1"/>
+          </a:effectRef>
+          <a:fontRef idx="minor">
+            <a:schemeClr val="tx1"/>
+          </a:fontRef>
+        </p:style>
+      </p:cxnSp>
+      <p:cxnSp>
+        <p:nvCxnSpPr>
+          <p:cNvPr id="22" name="直接连接符 21"/>
+          <p:cNvCxnSpPr/>
+          <p:nvPr/>
+        </p:nvCxnSpPr>
+        <p:spPr>
+          <a:xfrm flipV="1">
+            <a:off x="2348435" y="3799010"/>
+            <a:ext cx="1187721" cy="6396"/>
+          </a:xfrm>
+          <a:prstGeom prst="line">
+            <a:avLst/>
+          </a:prstGeom>
+          <a:ln>
+            <a:solidFill>
+              <a:schemeClr val="tx1"/>
+            </a:solidFill>
+            <a:prstDash val="dashDot"/>
+          </a:ln>
+        </p:spPr>
+        <p:style>
+          <a:lnRef idx="1">
+            <a:schemeClr val="accent1"/>
+          </a:lnRef>
+          <a:fillRef idx="0">
+            <a:schemeClr val="accent1"/>
+          </a:fillRef>
+          <a:effectRef idx="0">
+            <a:schemeClr val="accent1"/>
+          </a:effectRef>
+          <a:fontRef idx="minor">
+            <a:schemeClr val="tx1"/>
+          </a:fontRef>
+        </p:style>
+      </p:cxnSp>
+      <p:sp>
+        <p:nvSpPr>
+          <p:cNvPr id="25" name="右大括号 24"/>
+          <p:cNvSpPr/>
+          <p:nvPr/>
+        </p:nvSpPr>
+        <p:spPr>
+          <a:xfrm rot="5400000">
+            <a:off x="2881626" y="3582936"/>
+            <a:ext cx="157162" cy="627025"/>
+          </a:xfrm>
+          <a:prstGeom prst="rightBrace">
+            <a:avLst>
+              <a:gd name="adj1" fmla="val 8333"/>
+              <a:gd name="adj2" fmla="val 16960"/>
+            </a:avLst>
+          </a:prstGeom>
+          <a:ln>
+            <a:solidFill>
+              <a:schemeClr val="tx1"/>
+            </a:solidFill>
+          </a:ln>
+        </p:spPr>
+        <p:style>
+          <a:lnRef idx="1">
+            <a:schemeClr val="accent1"/>
+          </a:lnRef>
+          <a:fillRef idx="0">
+            <a:schemeClr val="accent1"/>
+          </a:fillRef>
+          <a:effectRef idx="0">
+            <a:schemeClr val="accent1"/>
+          </a:effectRef>
+          <a:fontRef idx="minor">
+            <a:schemeClr val="tx1"/>
+          </a:fontRef>
+        </p:style>
+        <p:txBody>
+          <a:bodyPr rtlCol="0" anchor="ctr"/>
+          <a:lstStyle/>
+          <a:p>
+            <a:pPr algn="ctr"/>
+            <a:endParaRPr lang="zh-TW" altLang="en-US"/>
+          </a:p>
+        </p:txBody>
+      </p:sp>
+      <p:sp>
+        <p:nvSpPr>
+          <p:cNvPr id="26" name="文本框 25"/>
+          <p:cNvSpPr txBox="1"/>
+          <p:nvPr/>
+        </p:nvSpPr>
+        <p:spPr>
+          <a:xfrm>
+            <a:off x="2934334" y="3945794"/>
+            <a:ext cx="2845707" cy="200055"/>
+          </a:xfrm>
+          <a:prstGeom prst="rect">
+            <a:avLst/>
+          </a:prstGeom>
+          <a:noFill/>
+        </p:spPr>
+        <p:txBody>
+          <a:bodyPr wrap="square" rtlCol="0">
+            <a:spAutoFit/>
+          </a:bodyPr>
+          <a:lstStyle/>
+          <a:p>
+            <a:r>
+              <a:rPr lang="zh-CN" altLang="en-US" sz="700" dirty="0"/>
+              <a:t>过量需求的人</a:t>
+            </a:r>
+            <a:endParaRPr lang="zh-TW" altLang="en-US" sz="700" dirty="0"/>
+          </a:p>
+        </p:txBody>
+      </p:sp>
+      <p:sp>
+        <p:nvSpPr>
+          <p:cNvPr id="28" name="等腰三角形 27"/>
+          <p:cNvSpPr/>
+          <p:nvPr/>
+        </p:nvSpPr>
+        <p:spPr>
+          <a:xfrm rot="5400000">
+            <a:off x="2423526" y="1121948"/>
+            <a:ext cx="833787" cy="321440"/>
+          </a:xfrm>
+          <a:prstGeom prst="triangle">
+            <a:avLst/>
+          </a:prstGeom>
+          <a:solidFill>
+            <a:schemeClr val="bg1">
+              <a:lumMod val="65000"/>
+            </a:schemeClr>
+          </a:solidFill>
+          <a:ln>
+            <a:noFill/>
+          </a:ln>
+        </p:spPr>
+        <p:style>
+          <a:lnRef idx="2">
+            <a:schemeClr val="accent1">
+              <a:shade val="50000"/>
+            </a:schemeClr>
+          </a:lnRef>
+          <a:fillRef idx="1">
+            <a:schemeClr val="accent1"/>
+          </a:fillRef>
+          <a:effectRef idx="0">
+            <a:schemeClr val="accent1"/>
+          </a:effectRef>
+          <a:fontRef idx="minor">
+            <a:schemeClr val="lt1"/>
+          </a:fontRef>
+        </p:style>
+        <p:txBody>
+          <a:bodyPr rtlCol="0" anchor="ctr"/>
+          <a:lstStyle/>
+          <a:p>
+            <a:pPr algn="ctr"/>
+            <a:endParaRPr lang="zh-TW" altLang="en-US"/>
+          </a:p>
+        </p:txBody>
+      </p:sp>
+      <p:sp>
+        <p:nvSpPr>
+          <p:cNvPr id="29" name="文本框 28"/>
+          <p:cNvSpPr txBox="1"/>
+          <p:nvPr/>
+        </p:nvSpPr>
+        <p:spPr>
+          <a:xfrm>
+            <a:off x="3324225" y="712059"/>
+            <a:ext cx="2845707" cy="523220"/>
+          </a:xfrm>
+          <a:prstGeom prst="rect">
+            <a:avLst/>
+          </a:prstGeom>
+          <a:noFill/>
+        </p:spPr>
+        <p:txBody>
+          <a:bodyPr wrap="square" rtlCol="0">
+            <a:spAutoFit/>
+          </a:bodyPr>
+          <a:lstStyle/>
+          <a:p>
+            <a:r>
+              <a:rPr lang="zh-CN" altLang="en-US" sz="1400" dirty="0" smtClean="0">
+                <a:solidFill>
+                  <a:srgbClr val="00B050"/>
+                </a:solidFill>
+              </a:rPr>
+              <a:t>市场无效率</a:t>
+            </a:r>
+            <a:endParaRPr lang="en-US" altLang="zh-CN" sz="1400" dirty="0" smtClean="0">
+              <a:solidFill>
+                <a:srgbClr val="00B050"/>
+              </a:solidFill>
+            </a:endParaRPr>
+          </a:p>
+          <a:p>
+            <a:r>
+              <a:rPr lang="zh-CN" altLang="en-US" sz="1400" dirty="0" smtClean="0">
+                <a:solidFill>
+                  <a:srgbClr val="00B050"/>
+                </a:solidFill>
+              </a:rPr>
+              <a:t>（无谓损失 </a:t>
+            </a:r>
+            <a:r>
+              <a:rPr lang="en-US" altLang="zh-CN" sz="1400" dirty="0" smtClean="0">
+                <a:solidFill>
+                  <a:srgbClr val="00B050"/>
+                </a:solidFill>
+              </a:rPr>
+              <a:t>DWL</a:t>
+            </a:r>
+            <a:r>
+              <a:rPr lang="zh-CN" altLang="en-US" sz="1400" dirty="0" smtClean="0">
+                <a:solidFill>
+                  <a:srgbClr val="00B050"/>
+                </a:solidFill>
+              </a:rPr>
+              <a:t>）</a:t>
+            </a:r>
+            <a:endParaRPr lang="zh-TW" altLang="en-US" sz="1400" dirty="0">
+              <a:solidFill>
+                <a:srgbClr val="00B050"/>
+              </a:solidFill>
+            </a:endParaRPr>
+          </a:p>
+        </p:txBody>
+      </p:sp>
+      <p:cxnSp>
+        <p:nvCxnSpPr>
+          <p:cNvPr id="30" name="直接连接符 29"/>
+          <p:cNvCxnSpPr/>
+          <p:nvPr/>
+        </p:nvCxnSpPr>
+        <p:spPr>
+          <a:xfrm>
+            <a:off x="2382804" y="458262"/>
+            <a:ext cx="1011509" cy="1332813"/>
+          </a:xfrm>
+          <a:prstGeom prst="line">
+            <a:avLst/>
+          </a:prstGeom>
+          <a:ln>
+            <a:solidFill>
+              <a:schemeClr val="tx1"/>
+            </a:solidFill>
+          </a:ln>
+        </p:spPr>
+        <p:style>
+          <a:lnRef idx="1">
+            <a:schemeClr val="accent1"/>
+          </a:lnRef>
+          <a:fillRef idx="0">
+            <a:schemeClr val="accent1"/>
+          </a:fillRef>
+          <a:effectRef idx="0">
+            <a:schemeClr val="accent1"/>
+          </a:effectRef>
+          <a:fontRef idx="minor">
+            <a:schemeClr val="tx1"/>
+          </a:fontRef>
+        </p:style>
+      </p:cxnSp>
+      <p:sp>
+        <p:nvSpPr>
+          <p:cNvPr id="31" name="文本框 30"/>
+          <p:cNvSpPr txBox="1"/>
+          <p:nvPr/>
+        </p:nvSpPr>
+        <p:spPr>
+          <a:xfrm>
+            <a:off x="4182297" y="2056529"/>
+            <a:ext cx="171450" cy="369332"/>
+          </a:xfrm>
+          <a:prstGeom prst="rect">
+            <a:avLst/>
+          </a:prstGeom>
+          <a:noFill/>
+        </p:spPr>
+        <p:txBody>
+          <a:bodyPr wrap="square" rtlCol="0">
+            <a:spAutoFit/>
+          </a:bodyPr>
+          <a:lstStyle/>
+          <a:p>
+            <a:r>
+              <a:rPr lang="en-US" altLang="zh-TW" dirty="0" smtClean="0"/>
+              <a:t>Q</a:t>
+            </a:r>
+            <a:endParaRPr lang="zh-TW" altLang="en-US" dirty="0"/>
+          </a:p>
+        </p:txBody>
+      </p:sp>
+      <p:cxnSp>
+        <p:nvCxnSpPr>
+          <p:cNvPr id="32" name="直接箭头连接符 31"/>
+          <p:cNvCxnSpPr/>
+          <p:nvPr/>
+        </p:nvCxnSpPr>
+        <p:spPr>
+          <a:xfrm flipV="1">
+            <a:off x="2383870" y="318052"/>
+            <a:ext cx="0" cy="1923143"/>
+          </a:xfrm>
+          <a:prstGeom prst="straightConnector1">
+            <a:avLst/>
+          </a:prstGeom>
+          <a:ln>
+            <a:solidFill>
+              <a:schemeClr val="tx1"/>
+            </a:solidFill>
+            <a:tailEnd type="triangle"/>
+          </a:ln>
+        </p:spPr>
+        <p:style>
+          <a:lnRef idx="1">
+            <a:schemeClr val="accent1"/>
+          </a:lnRef>
+          <a:fillRef idx="0">
+            <a:schemeClr val="accent1"/>
+          </a:fillRef>
+          <a:effectRef idx="0">
+            <a:schemeClr val="accent1"/>
+          </a:effectRef>
+          <a:fontRef idx="minor">
+            <a:schemeClr val="tx1"/>
+          </a:fontRef>
+        </p:style>
+      </p:cxnSp>
+      <p:cxnSp>
+        <p:nvCxnSpPr>
+          <p:cNvPr id="33" name="直接箭头连接符 32"/>
+          <p:cNvCxnSpPr/>
+          <p:nvPr/>
+        </p:nvCxnSpPr>
+        <p:spPr>
+          <a:xfrm>
+            <a:off x="2256870" y="2103309"/>
+            <a:ext cx="2009321" cy="0"/>
+          </a:xfrm>
+          <a:prstGeom prst="straightConnector1">
+            <a:avLst/>
+          </a:prstGeom>
+          <a:ln>
+            <a:solidFill>
+              <a:schemeClr val="tx1"/>
+            </a:solidFill>
+            <a:tailEnd type="triangle"/>
+          </a:ln>
+        </p:spPr>
+        <p:style>
+          <a:lnRef idx="1">
+            <a:schemeClr val="accent1"/>
+          </a:lnRef>
+          <a:fillRef idx="0">
+            <a:schemeClr val="accent1"/>
+          </a:fillRef>
+          <a:effectRef idx="0">
+            <a:schemeClr val="accent1"/>
+          </a:effectRef>
+          <a:fontRef idx="minor">
+            <a:schemeClr val="tx1"/>
+          </a:fontRef>
+        </p:style>
+      </p:cxnSp>
+      <p:cxnSp>
+        <p:nvCxnSpPr>
+          <p:cNvPr id="34" name="直接连接符 33"/>
+          <p:cNvCxnSpPr/>
+          <p:nvPr/>
+        </p:nvCxnSpPr>
+        <p:spPr>
+          <a:xfrm flipV="1">
+            <a:off x="2382804" y="884109"/>
+            <a:ext cx="925285" cy="1219200"/>
+          </a:xfrm>
+          <a:prstGeom prst="line">
+            <a:avLst/>
+          </a:prstGeom>
+          <a:ln>
+            <a:solidFill>
+              <a:schemeClr val="tx1"/>
+            </a:solidFill>
+          </a:ln>
+        </p:spPr>
+        <p:style>
+          <a:lnRef idx="1">
+            <a:schemeClr val="accent1"/>
+          </a:lnRef>
+          <a:fillRef idx="0">
+            <a:schemeClr val="accent1"/>
+          </a:fillRef>
+          <a:effectRef idx="0">
+            <a:schemeClr val="accent1"/>
+          </a:effectRef>
+          <a:fontRef idx="minor">
+            <a:schemeClr val="tx1"/>
+          </a:fontRef>
+        </p:style>
+      </p:cxnSp>
+      <p:sp>
+        <p:nvSpPr>
+          <p:cNvPr id="35" name="文本框 34"/>
+          <p:cNvSpPr txBox="1"/>
+          <p:nvPr/>
+        </p:nvSpPr>
+        <p:spPr>
+          <a:xfrm>
+            <a:off x="1992891" y="221895"/>
+            <a:ext cx="171450" cy="369332"/>
+          </a:xfrm>
+          <a:prstGeom prst="rect">
+            <a:avLst/>
+          </a:prstGeom>
+          <a:noFill/>
+        </p:spPr>
+        <p:txBody>
+          <a:bodyPr wrap="square" rtlCol="0">
+            <a:spAutoFit/>
+          </a:bodyPr>
+          <a:lstStyle/>
+          <a:p>
+            <a:r>
+              <a:rPr lang="en-US" altLang="zh-TW" dirty="0" smtClean="0"/>
+              <a:t>P</a:t>
+            </a:r>
+            <a:endParaRPr lang="zh-TW" altLang="en-US" dirty="0"/>
+          </a:p>
+        </p:txBody>
+      </p:sp>
+      <p:sp>
+        <p:nvSpPr>
+          <p:cNvPr id="37" name="文本框 36"/>
+          <p:cNvSpPr txBox="1"/>
+          <p:nvPr/>
+        </p:nvSpPr>
+        <p:spPr>
+          <a:xfrm>
+            <a:off x="2808134" y="2059079"/>
+            <a:ext cx="448891" cy="307777"/>
+          </a:xfrm>
+          <a:prstGeom prst="rect">
+            <a:avLst/>
+          </a:prstGeom>
+          <a:noFill/>
+        </p:spPr>
+        <p:txBody>
+          <a:bodyPr wrap="square" rtlCol="0">
+            <a:spAutoFit/>
+          </a:bodyPr>
+          <a:lstStyle/>
+          <a:p>
+            <a:pPr algn="ctr"/>
+            <a:r>
+              <a:rPr lang="en-US" altLang="zh-TW" sz="1400" dirty="0" smtClean="0"/>
+              <a:t>Q</a:t>
+            </a:r>
+            <a:r>
+              <a:rPr lang="zh-CN" altLang="en-US" sz="1400" dirty="0" smtClean="0"/>
+              <a:t>*</a:t>
+            </a:r>
+            <a:endParaRPr lang="zh-TW" altLang="en-US" sz="1400" dirty="0"/>
+          </a:p>
+        </p:txBody>
+      </p:sp>
+      <p:cxnSp>
+        <p:nvCxnSpPr>
+          <p:cNvPr id="38" name="直接连接符 37"/>
+          <p:cNvCxnSpPr/>
+          <p:nvPr/>
+        </p:nvCxnSpPr>
+        <p:spPr>
+          <a:xfrm>
+            <a:off x="2679700" y="884109"/>
+            <a:ext cx="0" cy="832843"/>
+          </a:xfrm>
+          <a:prstGeom prst="line">
+            <a:avLst/>
+          </a:prstGeom>
+          <a:ln>
+            <a:solidFill>
+              <a:schemeClr val="tx1"/>
+            </a:solidFill>
+            <a:prstDash val="dashDot"/>
+          </a:ln>
+        </p:spPr>
+        <p:style>
+          <a:lnRef idx="1">
+            <a:schemeClr val="accent1"/>
+          </a:lnRef>
+          <a:fillRef idx="0">
+            <a:schemeClr val="accent1"/>
+          </a:fillRef>
+          <a:effectRef idx="0">
+            <a:schemeClr val="accent1"/>
+          </a:effectRef>
+          <a:fontRef idx="minor">
+            <a:schemeClr val="tx1"/>
+          </a:fontRef>
+        </p:style>
+      </p:cxnSp>
+      <p:cxnSp>
+        <p:nvCxnSpPr>
+          <p:cNvPr id="40" name="直接箭头连接符 39"/>
+          <p:cNvCxnSpPr/>
+          <p:nvPr/>
+        </p:nvCxnSpPr>
+        <p:spPr>
+          <a:xfrm flipV="1">
+            <a:off x="2760903" y="1028073"/>
+            <a:ext cx="597691" cy="75053"/>
+          </a:xfrm>
+          <a:prstGeom prst="straightConnector1">
+            <a:avLst/>
+          </a:prstGeom>
+          <a:ln>
+            <a:solidFill>
+              <a:srgbClr val="00B050"/>
+            </a:solidFill>
+            <a:tailEnd type="triangle"/>
+          </a:ln>
+        </p:spPr>
+        <p:style>
+          <a:lnRef idx="1">
+            <a:schemeClr val="accent1"/>
+          </a:lnRef>
+          <a:fillRef idx="0">
+            <a:schemeClr val="accent1"/>
+          </a:fillRef>
+          <a:effectRef idx="0">
+            <a:schemeClr val="accent1"/>
+          </a:effectRef>
+          <a:fontRef idx="minor">
+            <a:schemeClr val="tx1"/>
+          </a:fontRef>
+        </p:style>
+      </p:cxnSp>
+      <p:sp>
+        <p:nvSpPr>
+          <p:cNvPr id="43" name="文本框 42"/>
+          <p:cNvSpPr txBox="1"/>
+          <p:nvPr/>
+        </p:nvSpPr>
+        <p:spPr>
+          <a:xfrm>
+            <a:off x="2222501" y="1195125"/>
+            <a:ext cx="2845707" cy="200055"/>
+          </a:xfrm>
+          <a:prstGeom prst="rect">
+            <a:avLst/>
+          </a:prstGeom>
+          <a:noFill/>
+        </p:spPr>
+        <p:txBody>
+          <a:bodyPr wrap="square" rtlCol="0">
+            <a:spAutoFit/>
+          </a:bodyPr>
+          <a:lstStyle/>
+          <a:p>
+            <a:r>
+              <a:rPr lang="zh-CN" altLang="en-US" sz="700" dirty="0" smtClean="0"/>
+              <a:t>税收</a:t>
+            </a:r>
+            <a:endParaRPr lang="zh-TW" altLang="en-US" sz="700" dirty="0"/>
+          </a:p>
+        </p:txBody>
+      </p:sp>
+      <p:cxnSp>
+        <p:nvCxnSpPr>
+          <p:cNvPr id="46" name="直接箭头连接符 45"/>
+          <p:cNvCxnSpPr/>
+          <p:nvPr/>
+        </p:nvCxnSpPr>
+        <p:spPr>
+          <a:xfrm flipH="1">
+            <a:off x="2044247" y="1406775"/>
+            <a:ext cx="461598" cy="152218"/>
+          </a:xfrm>
+          <a:prstGeom prst="straightConnector1">
+            <a:avLst/>
+          </a:prstGeom>
+          <a:ln>
+            <a:solidFill>
+              <a:srgbClr val="00B050"/>
+            </a:solidFill>
+            <a:tailEnd type="triangle"/>
+          </a:ln>
+        </p:spPr>
+        <p:style>
+          <a:lnRef idx="1">
+            <a:schemeClr val="accent1"/>
+          </a:lnRef>
+          <a:fillRef idx="0">
+            <a:schemeClr val="accent1"/>
+          </a:fillRef>
+          <a:effectRef idx="0">
+            <a:schemeClr val="accent1"/>
+          </a:effectRef>
+          <a:fontRef idx="minor">
+            <a:schemeClr val="tx1"/>
+          </a:fontRef>
+        </p:style>
+      </p:cxnSp>
+      <p:sp>
+        <p:nvSpPr>
+          <p:cNvPr id="48" name="文本框 47"/>
+          <p:cNvSpPr txBox="1"/>
+          <p:nvPr/>
+        </p:nvSpPr>
+        <p:spPr>
+          <a:xfrm>
+            <a:off x="1152230" y="1478650"/>
+            <a:ext cx="2845707" cy="307777"/>
+          </a:xfrm>
+          <a:prstGeom prst="rect">
+            <a:avLst/>
+          </a:prstGeom>
+          <a:noFill/>
+        </p:spPr>
+        <p:txBody>
+          <a:bodyPr wrap="square" rtlCol="0">
+            <a:spAutoFit/>
+          </a:bodyPr>
+          <a:lstStyle/>
+          <a:p>
+            <a:r>
+              <a:rPr lang="zh-CN" altLang="en-US" sz="1400" dirty="0" smtClean="0">
+                <a:solidFill>
+                  <a:srgbClr val="00B050"/>
+                </a:solidFill>
+              </a:rPr>
+              <a:t>政府收入</a:t>
+            </a:r>
+            <a:endParaRPr lang="zh-TW" altLang="en-US" sz="1400" dirty="0">
+              <a:solidFill>
+                <a:srgbClr val="00B050"/>
+              </a:solidFill>
+            </a:endParaRPr>
+          </a:p>
+        </p:txBody>
+      </p:sp>
+      <p:sp>
+        <p:nvSpPr>
+          <p:cNvPr id="50" name="左大括号 49"/>
+          <p:cNvSpPr/>
+          <p:nvPr/>
+        </p:nvSpPr>
+        <p:spPr>
+          <a:xfrm>
+            <a:off x="2575083" y="884109"/>
+            <a:ext cx="70247" cy="815453"/>
+          </a:xfrm>
+          <a:prstGeom prst="leftBrace">
+            <a:avLst>
+              <a:gd name="adj1" fmla="val 59181"/>
+              <a:gd name="adj2" fmla="val 50000"/>
+            </a:avLst>
+          </a:prstGeom>
+          <a:ln>
+            <a:solidFill>
+              <a:schemeClr val="tx1"/>
+            </a:solidFill>
+          </a:ln>
+        </p:spPr>
+        <p:style>
+          <a:lnRef idx="1">
+            <a:schemeClr val="accent1"/>
+          </a:lnRef>
+          <a:fillRef idx="0">
+            <a:schemeClr val="accent1"/>
+          </a:fillRef>
+          <a:effectRef idx="0">
+            <a:schemeClr val="accent1"/>
+          </a:effectRef>
+          <a:fontRef idx="minor">
+            <a:schemeClr val="tx1"/>
+          </a:fontRef>
+        </p:style>
+        <p:txBody>
+          <a:bodyPr rtlCol="0" anchor="ctr"/>
+          <a:lstStyle/>
+          <a:p>
+            <a:pPr algn="ctr"/>
+            <a:endParaRPr lang="zh-TW" altLang="en-US"/>
+          </a:p>
+        </p:txBody>
+      </p:sp>
+      <p:sp>
+        <p:nvSpPr>
+          <p:cNvPr id="51" name="下箭头 50"/>
+          <p:cNvSpPr/>
+          <p:nvPr/>
+        </p:nvSpPr>
+        <p:spPr>
+          <a:xfrm rot="5400000">
+            <a:off x="2803350" y="457220"/>
+            <a:ext cx="130230" cy="338907"/>
+          </a:xfrm>
+          <a:prstGeom prst="downArrow">
+            <a:avLst/>
+          </a:prstGeom>
+        </p:spPr>
+        <p:style>
+          <a:lnRef idx="2">
+            <a:schemeClr val="accent1">
+              <a:shade val="50000"/>
+            </a:schemeClr>
+          </a:lnRef>
+          <a:fillRef idx="1">
+            <a:schemeClr val="accent1"/>
+          </a:fillRef>
+          <a:effectRef idx="0">
+            <a:schemeClr val="accent1"/>
+          </a:effectRef>
+          <a:fontRef idx="minor">
+            <a:schemeClr val="lt1"/>
+          </a:fontRef>
+        </p:style>
+        <p:txBody>
+          <a:bodyPr rtlCol="0" anchor="ctr"/>
+          <a:lstStyle/>
+          <a:p>
+            <a:pPr algn="ctr"/>
+            <a:endParaRPr lang="zh-TW" altLang="en-US"/>
+          </a:p>
+        </p:txBody>
+      </p:sp>
+      <p:sp>
+        <p:nvSpPr>
+          <p:cNvPr id="52" name="文本框 51"/>
+          <p:cNvSpPr txBox="1"/>
+          <p:nvPr/>
+        </p:nvSpPr>
+        <p:spPr>
+          <a:xfrm>
+            <a:off x="3063314" y="530217"/>
+            <a:ext cx="1202877" cy="200055"/>
+          </a:xfrm>
+          <a:prstGeom prst="rect">
+            <a:avLst/>
+          </a:prstGeom>
+          <a:noFill/>
+        </p:spPr>
+        <p:txBody>
+          <a:bodyPr wrap="square" rtlCol="0">
+            <a:spAutoFit/>
+          </a:bodyPr>
+          <a:lstStyle/>
+          <a:p>
+            <a:r>
+              <a:rPr lang="zh-CN" altLang="en-US" sz="700" dirty="0" smtClean="0"/>
+              <a:t>税收分析：插楔子方法</a:t>
+            </a:r>
+            <a:endParaRPr lang="zh-TW" altLang="en-US" sz="700" dirty="0"/>
+          </a:p>
+        </p:txBody>
+      </p:sp>
+      <p:sp>
+        <p:nvSpPr>
+          <p:cNvPr id="69" name="矩形 68"/>
+          <p:cNvSpPr/>
+          <p:nvPr/>
+        </p:nvSpPr>
+        <p:spPr>
+          <a:xfrm>
+            <a:off x="5930238" y="818625"/>
+            <a:ext cx="941420" cy="851179"/>
+          </a:xfrm>
+          <a:prstGeom prst="rect">
+            <a:avLst/>
+          </a:prstGeom>
+          <a:solidFill>
+            <a:schemeClr val="bg1">
+              <a:lumMod val="85000"/>
+            </a:schemeClr>
+          </a:solidFill>
+          <a:ln>
+            <a:noFill/>
+          </a:ln>
+        </p:spPr>
+        <p:style>
+          <a:lnRef idx="2">
+            <a:schemeClr val="accent1">
+              <a:shade val="50000"/>
+            </a:schemeClr>
+          </a:lnRef>
+          <a:fillRef idx="1">
+            <a:schemeClr val="accent1"/>
+          </a:fillRef>
+          <a:effectRef idx="0">
+            <a:schemeClr val="accent1"/>
+          </a:effectRef>
+          <a:fontRef idx="minor">
+            <a:schemeClr val="lt1"/>
+          </a:fontRef>
+        </p:style>
+        <p:txBody>
+          <a:bodyPr rtlCol="0" anchor="ctr"/>
+          <a:lstStyle/>
+          <a:p>
+            <a:pPr algn="ctr"/>
+            <a:endParaRPr lang="zh-TW" altLang="en-US"/>
+          </a:p>
+        </p:txBody>
+      </p:sp>
+      <p:sp>
+        <p:nvSpPr>
+          <p:cNvPr id="70" name="等腰三角形 69"/>
+          <p:cNvSpPr/>
+          <p:nvPr/>
+        </p:nvSpPr>
+        <p:spPr>
+          <a:xfrm rot="16200000" flipH="1">
+            <a:off x="6287033" y="1074801"/>
+            <a:ext cx="833787" cy="321440"/>
+          </a:xfrm>
+          <a:prstGeom prst="triangle">
+            <a:avLst/>
+          </a:prstGeom>
+          <a:solidFill>
+            <a:schemeClr val="bg1">
+              <a:lumMod val="65000"/>
+            </a:schemeClr>
+          </a:solidFill>
+          <a:ln>
+            <a:noFill/>
+          </a:ln>
+        </p:spPr>
+        <p:style>
+          <a:lnRef idx="2">
+            <a:schemeClr val="accent1">
+              <a:shade val="50000"/>
+            </a:schemeClr>
+          </a:lnRef>
+          <a:fillRef idx="1">
+            <a:schemeClr val="accent1"/>
+          </a:fillRef>
+          <a:effectRef idx="0">
+            <a:schemeClr val="accent1"/>
+          </a:effectRef>
+          <a:fontRef idx="minor">
+            <a:schemeClr val="lt1"/>
+          </a:fontRef>
+        </p:style>
+        <p:txBody>
+          <a:bodyPr rtlCol="0" anchor="ctr"/>
+          <a:lstStyle/>
+          <a:p>
+            <a:pPr algn="ctr"/>
+            <a:endParaRPr lang="zh-TW" altLang="en-US"/>
+          </a:p>
+        </p:txBody>
+      </p:sp>
+      <p:cxnSp>
+        <p:nvCxnSpPr>
+          <p:cNvPr id="72" name="直接连接符 71"/>
+          <p:cNvCxnSpPr/>
+          <p:nvPr/>
+        </p:nvCxnSpPr>
+        <p:spPr>
+          <a:xfrm>
+            <a:off x="5930238" y="411114"/>
+            <a:ext cx="1011509" cy="1332813"/>
+          </a:xfrm>
+          <a:prstGeom prst="line">
+            <a:avLst/>
+          </a:prstGeom>
+          <a:ln>
+            <a:solidFill>
+              <a:schemeClr val="tx1"/>
+            </a:solidFill>
+          </a:ln>
+        </p:spPr>
+        <p:style>
+          <a:lnRef idx="1">
+            <a:schemeClr val="accent1"/>
+          </a:lnRef>
+          <a:fillRef idx="0">
+            <a:schemeClr val="accent1"/>
+          </a:fillRef>
+          <a:effectRef idx="0">
+            <a:schemeClr val="accent1"/>
+          </a:effectRef>
+          <a:fontRef idx="minor">
+            <a:schemeClr val="tx1"/>
+          </a:fontRef>
+        </p:style>
+      </p:cxnSp>
+      <p:sp>
+        <p:nvSpPr>
+          <p:cNvPr id="73" name="文本框 72"/>
+          <p:cNvSpPr txBox="1"/>
+          <p:nvPr/>
+        </p:nvSpPr>
+        <p:spPr>
+          <a:xfrm>
+            <a:off x="7729731" y="2009381"/>
+            <a:ext cx="171450" cy="369332"/>
+          </a:xfrm>
+          <a:prstGeom prst="rect">
+            <a:avLst/>
+          </a:prstGeom>
+          <a:noFill/>
+        </p:spPr>
+        <p:txBody>
+          <a:bodyPr wrap="square" rtlCol="0">
+            <a:spAutoFit/>
+          </a:bodyPr>
+          <a:lstStyle/>
+          <a:p>
+            <a:r>
+              <a:rPr lang="en-US" altLang="zh-TW" dirty="0" smtClean="0"/>
+              <a:t>Q</a:t>
+            </a:r>
+            <a:endParaRPr lang="zh-TW" altLang="en-US" dirty="0"/>
+          </a:p>
+        </p:txBody>
+      </p:sp>
+      <p:cxnSp>
+        <p:nvCxnSpPr>
+          <p:cNvPr id="74" name="直接箭头连接符 73"/>
+          <p:cNvCxnSpPr/>
+          <p:nvPr/>
+        </p:nvCxnSpPr>
+        <p:spPr>
+          <a:xfrm flipV="1">
+            <a:off x="5931304" y="270904"/>
+            <a:ext cx="0" cy="1923143"/>
+          </a:xfrm>
+          <a:prstGeom prst="straightConnector1">
+            <a:avLst/>
+          </a:prstGeom>
+          <a:ln>
+            <a:solidFill>
+              <a:schemeClr val="tx1"/>
+            </a:solidFill>
+            <a:tailEnd type="triangle"/>
+          </a:ln>
+        </p:spPr>
+        <p:style>
+          <a:lnRef idx="1">
+            <a:schemeClr val="accent1"/>
+          </a:lnRef>
+          <a:fillRef idx="0">
+            <a:schemeClr val="accent1"/>
+          </a:fillRef>
+          <a:effectRef idx="0">
+            <a:schemeClr val="accent1"/>
+          </a:effectRef>
+          <a:fontRef idx="minor">
+            <a:schemeClr val="tx1"/>
+          </a:fontRef>
+        </p:style>
+      </p:cxnSp>
+      <p:cxnSp>
+        <p:nvCxnSpPr>
+          <p:cNvPr id="75" name="直接箭头连接符 74"/>
+          <p:cNvCxnSpPr/>
+          <p:nvPr/>
+        </p:nvCxnSpPr>
+        <p:spPr>
+          <a:xfrm>
+            <a:off x="5804304" y="2056161"/>
+            <a:ext cx="2009321" cy="0"/>
+          </a:xfrm>
+          <a:prstGeom prst="straightConnector1">
+            <a:avLst/>
+          </a:prstGeom>
+          <a:ln>
+            <a:solidFill>
+              <a:schemeClr val="tx1"/>
+            </a:solidFill>
+            <a:tailEnd type="triangle"/>
+          </a:ln>
+        </p:spPr>
+        <p:style>
+          <a:lnRef idx="1">
+            <a:schemeClr val="accent1"/>
+          </a:lnRef>
+          <a:fillRef idx="0">
+            <a:schemeClr val="accent1"/>
+          </a:fillRef>
+          <a:effectRef idx="0">
+            <a:schemeClr val="accent1"/>
+          </a:effectRef>
+          <a:fontRef idx="minor">
+            <a:schemeClr val="tx1"/>
+          </a:fontRef>
+        </p:style>
+      </p:cxnSp>
+      <p:cxnSp>
+        <p:nvCxnSpPr>
+          <p:cNvPr id="76" name="直接连接符 75"/>
+          <p:cNvCxnSpPr/>
+          <p:nvPr/>
+        </p:nvCxnSpPr>
+        <p:spPr>
+          <a:xfrm flipV="1">
+            <a:off x="5930238" y="805598"/>
+            <a:ext cx="949087" cy="1250563"/>
+          </a:xfrm>
+          <a:prstGeom prst="line">
+            <a:avLst/>
+          </a:prstGeom>
+          <a:ln>
+            <a:solidFill>
+              <a:schemeClr val="tx1"/>
+            </a:solidFill>
+          </a:ln>
+        </p:spPr>
+        <p:style>
+          <a:lnRef idx="1">
+            <a:schemeClr val="accent1"/>
+          </a:lnRef>
+          <a:fillRef idx="0">
+            <a:schemeClr val="accent1"/>
+          </a:fillRef>
+          <a:effectRef idx="0">
+            <a:schemeClr val="accent1"/>
+          </a:effectRef>
+          <a:fontRef idx="minor">
+            <a:schemeClr val="tx1"/>
+          </a:fontRef>
+        </p:style>
+      </p:cxnSp>
+      <p:sp>
+        <p:nvSpPr>
+          <p:cNvPr id="77" name="文本框 76"/>
+          <p:cNvSpPr txBox="1"/>
+          <p:nvPr/>
+        </p:nvSpPr>
+        <p:spPr>
+          <a:xfrm>
+            <a:off x="5540325" y="174747"/>
+            <a:ext cx="171450" cy="369332"/>
+          </a:xfrm>
+          <a:prstGeom prst="rect">
+            <a:avLst/>
+          </a:prstGeom>
+          <a:noFill/>
+        </p:spPr>
+        <p:txBody>
+          <a:bodyPr wrap="square" rtlCol="0">
+            <a:spAutoFit/>
+          </a:bodyPr>
+          <a:lstStyle/>
+          <a:p>
+            <a:r>
+              <a:rPr lang="en-US" altLang="zh-TW" dirty="0" smtClean="0"/>
+              <a:t>P</a:t>
+            </a:r>
+            <a:endParaRPr lang="zh-TW" altLang="en-US" dirty="0"/>
+          </a:p>
+        </p:txBody>
+      </p:sp>
+      <p:sp>
+        <p:nvSpPr>
+          <p:cNvPr id="78" name="文本框 77"/>
+          <p:cNvSpPr txBox="1"/>
+          <p:nvPr/>
+        </p:nvSpPr>
+        <p:spPr>
+          <a:xfrm>
+            <a:off x="6355568" y="2011931"/>
+            <a:ext cx="448891" cy="307777"/>
+          </a:xfrm>
+          <a:prstGeom prst="rect">
+            <a:avLst/>
+          </a:prstGeom>
+          <a:noFill/>
+        </p:spPr>
+        <p:txBody>
+          <a:bodyPr wrap="square" rtlCol="0">
+            <a:spAutoFit/>
+          </a:bodyPr>
+          <a:lstStyle/>
+          <a:p>
+            <a:pPr algn="ctr"/>
+            <a:r>
+              <a:rPr lang="en-US" altLang="zh-TW" sz="1400" dirty="0" smtClean="0"/>
+              <a:t>Q</a:t>
+            </a:r>
+            <a:r>
+              <a:rPr lang="zh-CN" altLang="en-US" sz="1400" dirty="0" smtClean="0"/>
+              <a:t>*</a:t>
+            </a:r>
+            <a:endParaRPr lang="zh-TW" altLang="en-US" sz="1400" dirty="0"/>
+          </a:p>
+        </p:txBody>
+      </p:sp>
+      <p:cxnSp>
+        <p:nvCxnSpPr>
+          <p:cNvPr id="79" name="直接连接符 78"/>
+          <p:cNvCxnSpPr/>
+          <p:nvPr/>
+        </p:nvCxnSpPr>
+        <p:spPr>
+          <a:xfrm>
+            <a:off x="6871659" y="836961"/>
+            <a:ext cx="0" cy="832843"/>
+          </a:xfrm>
+          <a:prstGeom prst="line">
+            <a:avLst/>
+          </a:prstGeom>
+          <a:ln>
+            <a:solidFill>
+              <a:schemeClr val="tx1"/>
+            </a:solidFill>
+            <a:prstDash val="dashDot"/>
+          </a:ln>
+        </p:spPr>
+        <p:style>
+          <a:lnRef idx="1">
+            <a:schemeClr val="accent1"/>
+          </a:lnRef>
+          <a:fillRef idx="0">
+            <a:schemeClr val="accent1"/>
+          </a:fillRef>
+          <a:effectRef idx="0">
+            <a:schemeClr val="accent1"/>
+          </a:effectRef>
+          <a:fontRef idx="minor">
+            <a:schemeClr val="tx1"/>
+          </a:fontRef>
+        </p:style>
+      </p:cxnSp>
+      <p:sp>
+        <p:nvSpPr>
+          <p:cNvPr id="82" name="文本框 81"/>
+          <p:cNvSpPr txBox="1"/>
+          <p:nvPr/>
+        </p:nvSpPr>
+        <p:spPr>
+          <a:xfrm>
+            <a:off x="6967022" y="1147977"/>
+            <a:ext cx="723336" cy="200055"/>
+          </a:xfrm>
+          <a:prstGeom prst="rect">
+            <a:avLst/>
+          </a:prstGeom>
+          <a:noFill/>
+        </p:spPr>
+        <p:txBody>
+          <a:bodyPr wrap="square" rtlCol="0">
+            <a:spAutoFit/>
+          </a:bodyPr>
+          <a:lstStyle/>
+          <a:p>
+            <a:r>
+              <a:rPr lang="zh-CN" altLang="en-US" sz="700" dirty="0" smtClean="0"/>
+              <a:t>补贴</a:t>
+            </a:r>
+            <a:endParaRPr lang="zh-TW" altLang="en-US" sz="700" dirty="0"/>
+          </a:p>
+        </p:txBody>
+      </p:sp>
+      <p:cxnSp>
+        <p:nvCxnSpPr>
+          <p:cNvPr id="83" name="直接箭头连接符 82"/>
+          <p:cNvCxnSpPr/>
+          <p:nvPr/>
+        </p:nvCxnSpPr>
+        <p:spPr>
+          <a:xfrm flipH="1">
+            <a:off x="5591681" y="1359627"/>
+            <a:ext cx="461598" cy="152218"/>
+          </a:xfrm>
+          <a:prstGeom prst="straightConnector1">
+            <a:avLst/>
+          </a:prstGeom>
+          <a:ln>
+            <a:solidFill>
+              <a:srgbClr val="00B050"/>
+            </a:solidFill>
+            <a:tailEnd type="triangle"/>
+          </a:ln>
+        </p:spPr>
+        <p:style>
+          <a:lnRef idx="1">
+            <a:schemeClr val="accent1"/>
+          </a:lnRef>
+          <a:fillRef idx="0">
+            <a:schemeClr val="accent1"/>
+          </a:fillRef>
+          <a:effectRef idx="0">
+            <a:schemeClr val="accent1"/>
+          </a:effectRef>
+          <a:fontRef idx="minor">
+            <a:schemeClr val="tx1"/>
+          </a:fontRef>
+        </p:style>
+      </p:cxnSp>
+      <p:sp>
+        <p:nvSpPr>
+          <p:cNvPr id="84" name="文本框 83"/>
+          <p:cNvSpPr txBox="1"/>
+          <p:nvPr/>
+        </p:nvSpPr>
+        <p:spPr>
+          <a:xfrm>
+            <a:off x="4699664" y="1431502"/>
+            <a:ext cx="2845707" cy="307777"/>
+          </a:xfrm>
+          <a:prstGeom prst="rect">
+            <a:avLst/>
+          </a:prstGeom>
+          <a:noFill/>
+        </p:spPr>
+        <p:txBody>
+          <a:bodyPr wrap="square" rtlCol="0">
+            <a:spAutoFit/>
+          </a:bodyPr>
+          <a:lstStyle/>
+          <a:p>
+            <a:r>
+              <a:rPr lang="zh-CN" altLang="en-US" sz="1400" dirty="0" smtClean="0">
+                <a:solidFill>
+                  <a:srgbClr val="00B050"/>
+                </a:solidFill>
+              </a:rPr>
+              <a:t>－</a:t>
+            </a:r>
+            <a:r>
+              <a:rPr lang="zh-CN" altLang="en-US" sz="1400" dirty="0" smtClean="0">
+                <a:solidFill>
+                  <a:srgbClr val="00B050"/>
+                </a:solidFill>
+              </a:rPr>
+              <a:t>政府收入</a:t>
+            </a:r>
+            <a:endParaRPr lang="zh-TW" altLang="en-US" sz="1400" dirty="0">
+              <a:solidFill>
+                <a:srgbClr val="00B050"/>
+              </a:solidFill>
+            </a:endParaRPr>
+          </a:p>
+        </p:txBody>
+      </p:sp>
+      <p:sp>
+        <p:nvSpPr>
+          <p:cNvPr id="85" name="左大括号 84"/>
+          <p:cNvSpPr/>
+          <p:nvPr/>
+        </p:nvSpPr>
+        <p:spPr>
+          <a:xfrm flipH="1">
+            <a:off x="6910050" y="836961"/>
+            <a:ext cx="70247" cy="815453"/>
+          </a:xfrm>
+          <a:prstGeom prst="leftBrace">
+            <a:avLst>
+              <a:gd name="adj1" fmla="val 59181"/>
+              <a:gd name="adj2" fmla="val 50000"/>
+            </a:avLst>
+          </a:prstGeom>
+          <a:ln>
+            <a:solidFill>
+              <a:schemeClr val="tx1"/>
+            </a:solidFill>
+          </a:ln>
+        </p:spPr>
+        <p:style>
+          <a:lnRef idx="1">
+            <a:schemeClr val="accent1"/>
+          </a:lnRef>
+          <a:fillRef idx="0">
+            <a:schemeClr val="accent1"/>
+          </a:fillRef>
+          <a:effectRef idx="0">
+            <a:schemeClr val="accent1"/>
+          </a:effectRef>
+          <a:fontRef idx="minor">
+            <a:schemeClr val="tx1"/>
+          </a:fontRef>
+        </p:style>
+        <p:txBody>
+          <a:bodyPr rtlCol="0" anchor="ctr"/>
+          <a:lstStyle/>
+          <a:p>
+            <a:pPr algn="ctr"/>
+            <a:endParaRPr lang="zh-TW" altLang="en-US"/>
+          </a:p>
+        </p:txBody>
+      </p:sp>
+    </p:spTree>
+    <p:extLst>
+      <p:ext uri="{BB962C8B-B14F-4D97-AF65-F5344CB8AC3E}">
+        <p14:creationId xmlns:p14="http://schemas.microsoft.com/office/powerpoint/2010/main" val="1652045257"/>
+      </p:ext>
+    </p:extLst>
+  </p:cSld>
+  <p:clrMapOvr>
+    <a:masterClrMapping/>
+  </p:clrMapOvr>
+  <p:timing>
+    <p:tnLst>
+      <p:par>
+        <p:cTn id="1" dur="indefinite" restart="never" nodeType="tmRoot"/>
+      </p:par>
+    </p:tnLst>
+  </p:timing>
+</p:sld>
+</file>
+
+<file path=ppt/slides/slide5.xml><?xml version="1.0" encoding="utf-8"?>
+<p:sld xmlns:a="http://schemas.openxmlformats.org/drawingml/2006/main" xmlns:r="http://schemas.openxmlformats.org/officeDocument/2006/relationships" xmlns:p="http://schemas.openxmlformats.org/presentationml/2006/main">
+  <p:cSld>
+    <p:spTree>
+      <p:nvGrpSpPr>
+        <p:cNvPr id="1" name=""/>
+        <p:cNvGrpSpPr/>
+        <p:nvPr/>
+      </p:nvGrpSpPr>
+      <p:grpSpPr>
+        <a:xfrm>
+          <a:off x="0" y="0"/>
+          <a:ext cx="0" cy="0"/>
+          <a:chOff x="0" y="0"/>
+          <a:chExt cx="0" cy="0"/>
+        </a:xfrm>
+      </p:grpSpPr>
       <p:cxnSp>
         <p:nvCxnSpPr>
           <p:cNvPr id="4" name="直接箭头连接符 3"/>
@@ -5360,7 +7232,7 @@
         </p:nvCxnSpPr>
         <p:spPr>
           <a:xfrm flipV="1">
-            <a:off x="3121025" y="1785257"/>
+            <a:off x="6225267" y="1785257"/>
             <a:ext cx="0" cy="1923143"/>
           </a:xfrm>
           <a:prstGeom prst="straightConnector1">
@@ -5396,7 +7268,7 @@
         </p:nvCxnSpPr>
         <p:spPr>
           <a:xfrm>
-            <a:off x="2994025" y="3570514"/>
+            <a:off x="6098267" y="3570514"/>
             <a:ext cx="2009321" cy="0"/>
           </a:xfrm>
           <a:prstGeom prst="straightConnector1">
@@ -5432,7 +7304,7 @@
         </p:nvCxnSpPr>
         <p:spPr>
           <a:xfrm>
-            <a:off x="3506561" y="2044700"/>
+            <a:off x="6610803" y="2044700"/>
             <a:ext cx="925285" cy="1219200"/>
           </a:xfrm>
           <a:prstGeom prst="line">
@@ -5467,7 +7339,7 @@
         </p:nvCxnSpPr>
         <p:spPr>
           <a:xfrm flipH="1">
-            <a:off x="3248026" y="2101850"/>
+            <a:off x="6352268" y="2101850"/>
             <a:ext cx="1230538" cy="1200150"/>
           </a:xfrm>
           <a:prstGeom prst="line">
@@ -5502,8 +7374,8 @@
         </p:nvSpPr>
         <p:spPr>
           <a:xfrm>
-            <a:off x="2357211" y="1689100"/>
-            <a:ext cx="717096" cy="369332"/>
+            <a:off x="5834288" y="1689100"/>
+            <a:ext cx="171450" cy="369332"/>
           </a:xfrm>
           <a:prstGeom prst="rect">
             <a:avLst/>
@@ -5518,11 +7390,7 @@
           <a:p>
             <a:r>
               <a:rPr lang="en-US" altLang="zh-TW" dirty="0" smtClean="0"/>
-              <a:t>W</a:t>
-            </a:r>
-            <a:r>
-              <a:rPr lang="en-US" altLang="zh-CN" dirty="0" smtClean="0"/>
-              <a:t>age</a:t>
+              <a:t>P</a:t>
             </a:r>
             <a:endParaRPr lang="zh-TW" altLang="en-US" dirty="0"/>
           </a:p>
@@ -5536,8 +7404,8 @@
         </p:nvSpPr>
         <p:spPr>
           <a:xfrm>
-            <a:off x="4938938" y="3570514"/>
-            <a:ext cx="1257075" cy="369332"/>
+            <a:off x="8043180" y="3570514"/>
+            <a:ext cx="171450" cy="369332"/>
           </a:xfrm>
           <a:prstGeom prst="rect">
             <a:avLst/>
@@ -5552,11 +7420,1165 @@
           <a:p>
             <a:r>
               <a:rPr lang="en-US" altLang="zh-TW" dirty="0" smtClean="0"/>
-              <a:t>L </a:t>
-            </a:r>
+              <a:t>Q</a:t>
+            </a:r>
+            <a:endParaRPr lang="zh-TW" altLang="en-US" dirty="0"/>
+          </a:p>
+        </p:txBody>
+      </p:sp>
+      <p:cxnSp>
+        <p:nvCxnSpPr>
+          <p:cNvPr id="11" name="直接连接符 10"/>
+          <p:cNvCxnSpPr/>
+          <p:nvPr/>
+        </p:nvCxnSpPr>
+        <p:spPr>
+          <a:xfrm flipH="1">
+            <a:off x="6233432" y="2614613"/>
+            <a:ext cx="822326" cy="9069"/>
+          </a:xfrm>
+          <a:prstGeom prst="line">
+            <a:avLst/>
+          </a:prstGeom>
+          <a:ln>
+            <a:solidFill>
+              <a:schemeClr val="tx1"/>
+            </a:solidFill>
+            <a:prstDash val="dash"/>
+          </a:ln>
+        </p:spPr>
+        <p:style>
+          <a:lnRef idx="1">
+            <a:schemeClr val="accent1"/>
+          </a:lnRef>
+          <a:fillRef idx="0">
+            <a:schemeClr val="accent1"/>
+          </a:fillRef>
+          <a:effectRef idx="0">
+            <a:schemeClr val="accent1"/>
+          </a:effectRef>
+          <a:fontRef idx="minor">
+            <a:schemeClr val="tx1"/>
+          </a:fontRef>
+        </p:style>
+      </p:cxnSp>
+      <p:sp>
+        <p:nvSpPr>
+          <p:cNvPr id="12" name="文本框 11"/>
+          <p:cNvSpPr txBox="1"/>
+          <p:nvPr/>
+        </p:nvSpPr>
+        <p:spPr>
+          <a:xfrm>
+            <a:off x="5839279" y="2460724"/>
+            <a:ext cx="509361" cy="307777"/>
+          </a:xfrm>
+          <a:prstGeom prst="rect">
+            <a:avLst/>
+          </a:prstGeom>
+          <a:noFill/>
+        </p:spPr>
+        <p:txBody>
+          <a:bodyPr wrap="square" rtlCol="0">
+            <a:spAutoFit/>
+          </a:bodyPr>
+          <a:lstStyle/>
+          <a:p>
+            <a:r>
+              <a:rPr lang="en-US" altLang="zh-CN" sz="1400" dirty="0" smtClean="0"/>
+              <a:t>P*</a:t>
+            </a:r>
+            <a:endParaRPr lang="zh-TW" altLang="en-US" sz="1400" dirty="0"/>
+          </a:p>
+        </p:txBody>
+      </p:sp>
+      <p:sp>
+        <p:nvSpPr>
+          <p:cNvPr id="13" name="文本框 12"/>
+          <p:cNvSpPr txBox="1"/>
+          <p:nvPr/>
+        </p:nvSpPr>
+        <p:spPr>
+          <a:xfrm>
+            <a:off x="5729513" y="3897737"/>
+            <a:ext cx="2845707" cy="307777"/>
+          </a:xfrm>
+          <a:prstGeom prst="rect">
+            <a:avLst/>
+          </a:prstGeom>
+          <a:noFill/>
+        </p:spPr>
+        <p:txBody>
+          <a:bodyPr wrap="square" rtlCol="0">
+            <a:spAutoFit/>
+          </a:bodyPr>
+          <a:lstStyle/>
+          <a:p>
+            <a:pPr algn="ctr"/>
+            <a:r>
+              <a:rPr lang="en-US" altLang="zh-CN" sz="1400" dirty="0" smtClean="0">
+                <a:solidFill>
+                  <a:srgbClr val="00B050"/>
+                </a:solidFill>
+              </a:rPr>
+              <a:t>Non-Binding</a:t>
+            </a:r>
+            <a:endParaRPr lang="zh-TW" altLang="en-US" sz="1400" dirty="0">
+              <a:solidFill>
+                <a:srgbClr val="00B050"/>
+              </a:solidFill>
+            </a:endParaRPr>
+          </a:p>
+        </p:txBody>
+      </p:sp>
+      <p:cxnSp>
+        <p:nvCxnSpPr>
+          <p:cNvPr id="14" name="直接连接符 13"/>
+          <p:cNvCxnSpPr/>
+          <p:nvPr/>
+        </p:nvCxnSpPr>
+        <p:spPr>
+          <a:xfrm flipH="1">
+            <a:off x="6230482" y="2322839"/>
+            <a:ext cx="598489" cy="0"/>
+          </a:xfrm>
+          <a:prstGeom prst="line">
+            <a:avLst/>
+          </a:prstGeom>
+          <a:ln>
+            <a:solidFill>
+              <a:srgbClr val="00B050"/>
+            </a:solidFill>
+            <a:prstDash val="dash"/>
+          </a:ln>
+        </p:spPr>
+        <p:style>
+          <a:lnRef idx="1">
+            <a:schemeClr val="accent1"/>
+          </a:lnRef>
+          <a:fillRef idx="0">
+            <a:schemeClr val="accent1"/>
+          </a:fillRef>
+          <a:effectRef idx="0">
+            <a:schemeClr val="accent1"/>
+          </a:effectRef>
+          <a:fontRef idx="minor">
+            <a:schemeClr val="tx1"/>
+          </a:fontRef>
+        </p:style>
+      </p:cxnSp>
+      <p:sp>
+        <p:nvSpPr>
+          <p:cNvPr id="17" name="文本框 16"/>
+          <p:cNvSpPr txBox="1"/>
+          <p:nvPr/>
+        </p:nvSpPr>
+        <p:spPr>
+          <a:xfrm>
+            <a:off x="5834288" y="2161384"/>
+            <a:ext cx="509361" cy="307777"/>
+          </a:xfrm>
+          <a:prstGeom prst="rect">
+            <a:avLst/>
+          </a:prstGeom>
+          <a:noFill/>
+        </p:spPr>
+        <p:txBody>
+          <a:bodyPr wrap="square" rtlCol="0">
+            <a:spAutoFit/>
+          </a:bodyPr>
+          <a:lstStyle/>
+          <a:p>
+            <a:r>
+              <a:rPr lang="en-US" altLang="zh-CN" sz="1400" dirty="0" smtClean="0">
+                <a:solidFill>
+                  <a:srgbClr val="00B050"/>
+                </a:solidFill>
+              </a:rPr>
+              <a:t>Pc</a:t>
+            </a:r>
+            <a:endParaRPr lang="zh-TW" altLang="en-US" sz="1400" dirty="0">
+              <a:solidFill>
+                <a:srgbClr val="00B050"/>
+              </a:solidFill>
+            </a:endParaRPr>
+          </a:p>
+        </p:txBody>
+      </p:sp>
+      <p:cxnSp>
+        <p:nvCxnSpPr>
+          <p:cNvPr id="18" name="直接箭头连接符 17"/>
+          <p:cNvCxnSpPr/>
+          <p:nvPr/>
+        </p:nvCxnSpPr>
+        <p:spPr>
+          <a:xfrm flipV="1">
+            <a:off x="3121025" y="1785257"/>
+            <a:ext cx="0" cy="1923143"/>
+          </a:xfrm>
+          <a:prstGeom prst="straightConnector1">
+            <a:avLst/>
+          </a:prstGeom>
+          <a:ln>
+            <a:solidFill>
+              <a:schemeClr val="tx1"/>
+            </a:solidFill>
+            <a:tailEnd type="triangle"/>
+          </a:ln>
+        </p:spPr>
+        <p:style>
+          <a:lnRef idx="1">
+            <a:schemeClr val="accent1"/>
+          </a:lnRef>
+          <a:fillRef idx="0">
+            <a:schemeClr val="accent1"/>
+          </a:fillRef>
+          <a:effectRef idx="0">
+            <a:schemeClr val="accent1"/>
+          </a:effectRef>
+          <a:fontRef idx="minor">
+            <a:schemeClr val="tx1"/>
+          </a:fontRef>
+        </p:style>
+      </p:cxnSp>
+      <p:cxnSp>
+        <p:nvCxnSpPr>
+          <p:cNvPr id="19" name="直接箭头连接符 18"/>
+          <p:cNvCxnSpPr/>
+          <p:nvPr/>
+        </p:nvCxnSpPr>
+        <p:spPr>
+          <a:xfrm>
+            <a:off x="2994025" y="3570514"/>
+            <a:ext cx="2009321" cy="0"/>
+          </a:xfrm>
+          <a:prstGeom prst="straightConnector1">
+            <a:avLst/>
+          </a:prstGeom>
+          <a:ln>
+            <a:solidFill>
+              <a:schemeClr val="tx1"/>
+            </a:solidFill>
+            <a:tailEnd type="triangle"/>
+          </a:ln>
+        </p:spPr>
+        <p:style>
+          <a:lnRef idx="1">
+            <a:schemeClr val="accent1"/>
+          </a:lnRef>
+          <a:fillRef idx="0">
+            <a:schemeClr val="accent1"/>
+          </a:fillRef>
+          <a:effectRef idx="0">
+            <a:schemeClr val="accent1"/>
+          </a:effectRef>
+          <a:fontRef idx="minor">
+            <a:schemeClr val="tx1"/>
+          </a:fontRef>
+        </p:style>
+      </p:cxnSp>
+      <p:cxnSp>
+        <p:nvCxnSpPr>
+          <p:cNvPr id="20" name="直接连接符 19"/>
+          <p:cNvCxnSpPr/>
+          <p:nvPr/>
+        </p:nvCxnSpPr>
+        <p:spPr>
+          <a:xfrm>
+            <a:off x="3506561" y="2044700"/>
+            <a:ext cx="925285" cy="1219200"/>
+          </a:xfrm>
+          <a:prstGeom prst="line">
+            <a:avLst/>
+          </a:prstGeom>
+          <a:ln>
+            <a:solidFill>
+              <a:schemeClr val="tx1"/>
+            </a:solidFill>
+          </a:ln>
+        </p:spPr>
+        <p:style>
+          <a:lnRef idx="1">
+            <a:schemeClr val="accent1"/>
+          </a:lnRef>
+          <a:fillRef idx="0">
+            <a:schemeClr val="accent1"/>
+          </a:fillRef>
+          <a:effectRef idx="0">
+            <a:schemeClr val="accent1"/>
+          </a:effectRef>
+          <a:fontRef idx="minor">
+            <a:schemeClr val="tx1"/>
+          </a:fontRef>
+        </p:style>
+      </p:cxnSp>
+      <p:cxnSp>
+        <p:nvCxnSpPr>
+          <p:cNvPr id="21" name="直接连接符 20"/>
+          <p:cNvCxnSpPr/>
+          <p:nvPr/>
+        </p:nvCxnSpPr>
+        <p:spPr>
+          <a:xfrm flipH="1">
+            <a:off x="3248026" y="2101850"/>
+            <a:ext cx="1230538" cy="1200150"/>
+          </a:xfrm>
+          <a:prstGeom prst="line">
+            <a:avLst/>
+          </a:prstGeom>
+          <a:ln>
+            <a:solidFill>
+              <a:schemeClr val="tx1"/>
+            </a:solidFill>
+          </a:ln>
+        </p:spPr>
+        <p:style>
+          <a:lnRef idx="1">
+            <a:schemeClr val="accent1"/>
+          </a:lnRef>
+          <a:fillRef idx="0">
+            <a:schemeClr val="accent1"/>
+          </a:fillRef>
+          <a:effectRef idx="0">
+            <a:schemeClr val="accent1"/>
+          </a:effectRef>
+          <a:fontRef idx="minor">
+            <a:schemeClr val="tx1"/>
+          </a:fontRef>
+        </p:style>
+      </p:cxnSp>
+      <p:sp>
+        <p:nvSpPr>
+          <p:cNvPr id="22" name="文本框 21"/>
+          <p:cNvSpPr txBox="1"/>
+          <p:nvPr/>
+        </p:nvSpPr>
+        <p:spPr>
+          <a:xfrm>
+            <a:off x="2730046" y="1689100"/>
+            <a:ext cx="171450" cy="369332"/>
+          </a:xfrm>
+          <a:prstGeom prst="rect">
+            <a:avLst/>
+          </a:prstGeom>
+          <a:noFill/>
+        </p:spPr>
+        <p:txBody>
+          <a:bodyPr wrap="square" rtlCol="0">
+            <a:spAutoFit/>
+          </a:bodyPr>
+          <a:lstStyle/>
+          <a:p>
             <a:r>
               <a:rPr lang="en-US" altLang="zh-TW" dirty="0" smtClean="0"/>
-              <a:t>(Quantity)</a:t>
+              <a:t>P</a:t>
+            </a:r>
+            <a:endParaRPr lang="zh-TW" altLang="en-US" dirty="0"/>
+          </a:p>
+        </p:txBody>
+      </p:sp>
+      <p:sp>
+        <p:nvSpPr>
+          <p:cNvPr id="23" name="文本框 22"/>
+          <p:cNvSpPr txBox="1"/>
+          <p:nvPr/>
+        </p:nvSpPr>
+        <p:spPr>
+          <a:xfrm>
+            <a:off x="4938938" y="3570514"/>
+            <a:ext cx="171450" cy="369332"/>
+          </a:xfrm>
+          <a:prstGeom prst="rect">
+            <a:avLst/>
+          </a:prstGeom>
+          <a:noFill/>
+        </p:spPr>
+        <p:txBody>
+          <a:bodyPr wrap="square" rtlCol="0">
+            <a:spAutoFit/>
+          </a:bodyPr>
+          <a:lstStyle/>
+          <a:p>
+            <a:r>
+              <a:rPr lang="en-US" altLang="zh-TW" dirty="0" smtClean="0"/>
+              <a:t>Q</a:t>
+            </a:r>
+            <a:endParaRPr lang="zh-TW" altLang="en-US" dirty="0"/>
+          </a:p>
+        </p:txBody>
+      </p:sp>
+      <p:cxnSp>
+        <p:nvCxnSpPr>
+          <p:cNvPr id="24" name="直接连接符 23"/>
+          <p:cNvCxnSpPr/>
+          <p:nvPr/>
+        </p:nvCxnSpPr>
+        <p:spPr>
+          <a:xfrm flipH="1">
+            <a:off x="3129190" y="2614613"/>
+            <a:ext cx="822326" cy="9069"/>
+          </a:xfrm>
+          <a:prstGeom prst="line">
+            <a:avLst/>
+          </a:prstGeom>
+          <a:ln>
+            <a:solidFill>
+              <a:schemeClr val="tx1"/>
+            </a:solidFill>
+            <a:prstDash val="dash"/>
+          </a:ln>
+        </p:spPr>
+        <p:style>
+          <a:lnRef idx="1">
+            <a:schemeClr val="accent1"/>
+          </a:lnRef>
+          <a:fillRef idx="0">
+            <a:schemeClr val="accent1"/>
+          </a:fillRef>
+          <a:effectRef idx="0">
+            <a:schemeClr val="accent1"/>
+          </a:effectRef>
+          <a:fontRef idx="minor">
+            <a:schemeClr val="tx1"/>
+          </a:fontRef>
+        </p:style>
+      </p:cxnSp>
+      <p:sp>
+        <p:nvSpPr>
+          <p:cNvPr id="25" name="文本框 24"/>
+          <p:cNvSpPr txBox="1"/>
+          <p:nvPr/>
+        </p:nvSpPr>
+        <p:spPr>
+          <a:xfrm>
+            <a:off x="2735037" y="2460724"/>
+            <a:ext cx="509361" cy="307777"/>
+          </a:xfrm>
+          <a:prstGeom prst="rect">
+            <a:avLst/>
+          </a:prstGeom>
+          <a:noFill/>
+        </p:spPr>
+        <p:txBody>
+          <a:bodyPr wrap="square" rtlCol="0">
+            <a:spAutoFit/>
+          </a:bodyPr>
+          <a:lstStyle/>
+          <a:p>
+            <a:r>
+              <a:rPr lang="en-US" altLang="zh-CN" sz="1400" dirty="0" smtClean="0"/>
+              <a:t>P*</a:t>
+            </a:r>
+            <a:endParaRPr lang="zh-TW" altLang="en-US" sz="1400" dirty="0"/>
+          </a:p>
+        </p:txBody>
+      </p:sp>
+      <p:sp>
+        <p:nvSpPr>
+          <p:cNvPr id="26" name="文本框 25"/>
+          <p:cNvSpPr txBox="1"/>
+          <p:nvPr/>
+        </p:nvSpPr>
+        <p:spPr>
+          <a:xfrm>
+            <a:off x="2625271" y="3897737"/>
+            <a:ext cx="2845707" cy="307777"/>
+          </a:xfrm>
+          <a:prstGeom prst="rect">
+            <a:avLst/>
+          </a:prstGeom>
+          <a:noFill/>
+        </p:spPr>
+        <p:txBody>
+          <a:bodyPr wrap="square" rtlCol="0">
+            <a:spAutoFit/>
+          </a:bodyPr>
+          <a:lstStyle/>
+          <a:p>
+            <a:pPr algn="ctr"/>
+            <a:r>
+              <a:rPr lang="en-US" altLang="zh-CN" sz="1400" dirty="0" smtClean="0">
+                <a:solidFill>
+                  <a:srgbClr val="00B050"/>
+                </a:solidFill>
+              </a:rPr>
+              <a:t>Binding</a:t>
+            </a:r>
+            <a:endParaRPr lang="zh-TW" altLang="en-US" sz="1400" dirty="0">
+              <a:solidFill>
+                <a:srgbClr val="00B050"/>
+              </a:solidFill>
+            </a:endParaRPr>
+          </a:p>
+        </p:txBody>
+      </p:sp>
+      <p:cxnSp>
+        <p:nvCxnSpPr>
+          <p:cNvPr id="27" name="直接连接符 26"/>
+          <p:cNvCxnSpPr/>
+          <p:nvPr/>
+        </p:nvCxnSpPr>
+        <p:spPr>
+          <a:xfrm flipH="1">
+            <a:off x="3126240" y="2843749"/>
+            <a:ext cx="598489" cy="0"/>
+          </a:xfrm>
+          <a:prstGeom prst="line">
+            <a:avLst/>
+          </a:prstGeom>
+          <a:ln>
+            <a:solidFill>
+              <a:srgbClr val="00B050"/>
+            </a:solidFill>
+            <a:prstDash val="dash"/>
+          </a:ln>
+        </p:spPr>
+        <p:style>
+          <a:lnRef idx="1">
+            <a:schemeClr val="accent1"/>
+          </a:lnRef>
+          <a:fillRef idx="0">
+            <a:schemeClr val="accent1"/>
+          </a:fillRef>
+          <a:effectRef idx="0">
+            <a:schemeClr val="accent1"/>
+          </a:effectRef>
+          <a:fontRef idx="minor">
+            <a:schemeClr val="tx1"/>
+          </a:fontRef>
+        </p:style>
+      </p:cxnSp>
+      <p:sp>
+        <p:nvSpPr>
+          <p:cNvPr id="28" name="文本框 27"/>
+          <p:cNvSpPr txBox="1"/>
+          <p:nvPr/>
+        </p:nvSpPr>
+        <p:spPr>
+          <a:xfrm>
+            <a:off x="2730046" y="2682294"/>
+            <a:ext cx="509361" cy="307777"/>
+          </a:xfrm>
+          <a:prstGeom prst="rect">
+            <a:avLst/>
+          </a:prstGeom>
+          <a:noFill/>
+        </p:spPr>
+        <p:txBody>
+          <a:bodyPr wrap="square" rtlCol="0">
+            <a:spAutoFit/>
+          </a:bodyPr>
+          <a:lstStyle/>
+          <a:p>
+            <a:r>
+              <a:rPr lang="en-US" altLang="zh-CN" sz="1400" dirty="0" smtClean="0">
+                <a:solidFill>
+                  <a:srgbClr val="00B050"/>
+                </a:solidFill>
+              </a:rPr>
+              <a:t>Pc</a:t>
+            </a:r>
+            <a:endParaRPr lang="zh-TW" altLang="en-US" sz="1400" dirty="0">
+              <a:solidFill>
+                <a:srgbClr val="00B050"/>
+              </a:solidFill>
+            </a:endParaRPr>
+          </a:p>
+        </p:txBody>
+      </p:sp>
+      <p:sp>
+        <p:nvSpPr>
+          <p:cNvPr id="29" name="文本框 28"/>
+          <p:cNvSpPr txBox="1"/>
+          <p:nvPr/>
+        </p:nvSpPr>
+        <p:spPr>
+          <a:xfrm>
+            <a:off x="3519487" y="2947477"/>
+            <a:ext cx="1606550" cy="200055"/>
+          </a:xfrm>
+          <a:prstGeom prst="rect">
+            <a:avLst/>
+          </a:prstGeom>
+          <a:noFill/>
+        </p:spPr>
+        <p:txBody>
+          <a:bodyPr wrap="square" rtlCol="0">
+            <a:spAutoFit/>
+          </a:bodyPr>
+          <a:lstStyle/>
+          <a:p>
+            <a:r>
+              <a:rPr lang="zh-CN" altLang="en-US" sz="700" dirty="0" smtClean="0">
+                <a:solidFill>
+                  <a:srgbClr val="00B050"/>
+                </a:solidFill>
+              </a:rPr>
+              <a:t>   产生过度需求</a:t>
+            </a:r>
+            <a:endParaRPr lang="zh-TW" altLang="en-US" sz="700" dirty="0">
+              <a:solidFill>
+                <a:srgbClr val="00B050"/>
+              </a:solidFill>
+            </a:endParaRPr>
+          </a:p>
+        </p:txBody>
+      </p:sp>
+      <p:cxnSp>
+        <p:nvCxnSpPr>
+          <p:cNvPr id="30" name="直接连接符 29"/>
+          <p:cNvCxnSpPr/>
+          <p:nvPr/>
+        </p:nvCxnSpPr>
+        <p:spPr>
+          <a:xfrm flipH="1">
+            <a:off x="3729153" y="2841854"/>
+            <a:ext cx="389219" cy="0"/>
+          </a:xfrm>
+          <a:prstGeom prst="line">
+            <a:avLst/>
+          </a:prstGeom>
+          <a:ln>
+            <a:solidFill>
+              <a:srgbClr val="00B050"/>
+            </a:solidFill>
+            <a:prstDash val="lgDashDot"/>
+          </a:ln>
+        </p:spPr>
+        <p:style>
+          <a:lnRef idx="1">
+            <a:schemeClr val="accent1"/>
+          </a:lnRef>
+          <a:fillRef idx="0">
+            <a:schemeClr val="accent1"/>
+          </a:fillRef>
+          <a:effectRef idx="0">
+            <a:schemeClr val="accent1"/>
+          </a:effectRef>
+          <a:fontRef idx="minor">
+            <a:schemeClr val="tx1"/>
+          </a:fontRef>
+        </p:style>
+      </p:cxnSp>
+      <p:sp>
+        <p:nvSpPr>
+          <p:cNvPr id="31" name="右大括号 30"/>
+          <p:cNvSpPr/>
+          <p:nvPr/>
+        </p:nvSpPr>
+        <p:spPr>
+          <a:xfrm rot="5400000" flipV="1">
+            <a:off x="3880898" y="2701355"/>
+            <a:ext cx="81310" cy="393644"/>
+          </a:xfrm>
+          <a:prstGeom prst="rightBrace">
+            <a:avLst>
+              <a:gd name="adj1" fmla="val 39572"/>
+              <a:gd name="adj2" fmla="val 50000"/>
+            </a:avLst>
+          </a:prstGeom>
+          <a:ln>
+            <a:solidFill>
+              <a:srgbClr val="00B050"/>
+            </a:solidFill>
+          </a:ln>
+        </p:spPr>
+        <p:style>
+          <a:lnRef idx="1">
+            <a:schemeClr val="accent1"/>
+          </a:lnRef>
+          <a:fillRef idx="0">
+            <a:schemeClr val="accent1"/>
+          </a:fillRef>
+          <a:effectRef idx="0">
+            <a:schemeClr val="accent1"/>
+          </a:effectRef>
+          <a:fontRef idx="minor">
+            <a:schemeClr val="tx1"/>
+          </a:fontRef>
+        </p:style>
+        <p:txBody>
+          <a:bodyPr rtlCol="0" anchor="ctr"/>
+          <a:lstStyle/>
+          <a:p>
+            <a:pPr algn="ctr"/>
+            <a:endParaRPr lang="zh-TW" altLang="en-US"/>
+          </a:p>
+        </p:txBody>
+      </p:sp>
+      <p:sp>
+        <p:nvSpPr>
+          <p:cNvPr id="42" name="文本框 41"/>
+          <p:cNvSpPr txBox="1"/>
+          <p:nvPr/>
+        </p:nvSpPr>
+        <p:spPr>
+          <a:xfrm>
+            <a:off x="2730046" y="4647457"/>
+            <a:ext cx="1606550" cy="307777"/>
+          </a:xfrm>
+          <a:prstGeom prst="rect">
+            <a:avLst/>
+          </a:prstGeom>
+          <a:noFill/>
+        </p:spPr>
+        <p:txBody>
+          <a:bodyPr wrap="square" rtlCol="0">
+            <a:spAutoFit/>
+          </a:bodyPr>
+          <a:lstStyle/>
+          <a:p>
+            <a:r>
+              <a:rPr lang="zh-CN" altLang="en-US" sz="1400" dirty="0" smtClean="0"/>
+              <a:t>   产生过度供给</a:t>
+            </a:r>
+            <a:endParaRPr lang="zh-TW" altLang="en-US" sz="1400" dirty="0"/>
+          </a:p>
+        </p:txBody>
+      </p:sp>
+      <p:cxnSp>
+        <p:nvCxnSpPr>
+          <p:cNvPr id="44" name="直接箭头连接符 43"/>
+          <p:cNvCxnSpPr/>
+          <p:nvPr/>
+        </p:nvCxnSpPr>
+        <p:spPr>
+          <a:xfrm flipV="1">
+            <a:off x="4049874" y="4478181"/>
+            <a:ext cx="286722" cy="286722"/>
+          </a:xfrm>
+          <a:prstGeom prst="straightConnector1">
+            <a:avLst/>
+          </a:prstGeom>
+          <a:ln>
+            <a:solidFill>
+              <a:schemeClr val="tx1"/>
+            </a:solidFill>
+            <a:tailEnd type="triangle"/>
+          </a:ln>
+        </p:spPr>
+        <p:style>
+          <a:lnRef idx="1">
+            <a:schemeClr val="accent1"/>
+          </a:lnRef>
+          <a:fillRef idx="0">
+            <a:schemeClr val="accent1"/>
+          </a:fillRef>
+          <a:effectRef idx="0">
+            <a:schemeClr val="accent1"/>
+          </a:effectRef>
+          <a:fontRef idx="minor">
+            <a:schemeClr val="tx1"/>
+          </a:fontRef>
+        </p:style>
+      </p:cxnSp>
+      <p:cxnSp>
+        <p:nvCxnSpPr>
+          <p:cNvPr id="47" name="直接箭头连接符 46"/>
+          <p:cNvCxnSpPr/>
+          <p:nvPr/>
+        </p:nvCxnSpPr>
+        <p:spPr>
+          <a:xfrm>
+            <a:off x="4049874" y="4813621"/>
+            <a:ext cx="286722" cy="286722"/>
+          </a:xfrm>
+          <a:prstGeom prst="straightConnector1">
+            <a:avLst/>
+          </a:prstGeom>
+          <a:ln>
+            <a:solidFill>
+              <a:schemeClr val="tx1"/>
+            </a:solidFill>
+            <a:tailEnd type="triangle"/>
+          </a:ln>
+        </p:spPr>
+        <p:style>
+          <a:lnRef idx="1">
+            <a:schemeClr val="accent1"/>
+          </a:lnRef>
+          <a:fillRef idx="0">
+            <a:schemeClr val="accent1"/>
+          </a:fillRef>
+          <a:effectRef idx="0">
+            <a:schemeClr val="accent1"/>
+          </a:effectRef>
+          <a:fontRef idx="minor">
+            <a:schemeClr val="tx1"/>
+          </a:fontRef>
+        </p:style>
+      </p:cxnSp>
+      <p:sp>
+        <p:nvSpPr>
+          <p:cNvPr id="48" name="文本框 47"/>
+          <p:cNvSpPr txBox="1"/>
+          <p:nvPr/>
+        </p:nvSpPr>
+        <p:spPr>
+          <a:xfrm>
+            <a:off x="4367736" y="4333022"/>
+            <a:ext cx="2764996" cy="307777"/>
+          </a:xfrm>
+          <a:prstGeom prst="rect">
+            <a:avLst/>
+          </a:prstGeom>
+          <a:noFill/>
+        </p:spPr>
+        <p:txBody>
+          <a:bodyPr wrap="square" rtlCol="0">
+            <a:spAutoFit/>
+          </a:bodyPr>
+          <a:lstStyle/>
+          <a:p>
+            <a:r>
+              <a:rPr lang="zh-CN" altLang="en-US" sz="1400" strike="sngStrike" dirty="0" smtClean="0"/>
+              <a:t>厂商竞争消费者（降低价格）</a:t>
+            </a:r>
+            <a:endParaRPr lang="zh-TW" altLang="en-US" sz="1400" strike="sngStrike" dirty="0"/>
+          </a:p>
+        </p:txBody>
+      </p:sp>
+      <p:sp>
+        <p:nvSpPr>
+          <p:cNvPr id="49" name="文本框 48"/>
+          <p:cNvSpPr txBox="1"/>
+          <p:nvPr/>
+        </p:nvSpPr>
+        <p:spPr>
+          <a:xfrm>
+            <a:off x="4367736" y="4938550"/>
+            <a:ext cx="2764996" cy="307777"/>
+          </a:xfrm>
+          <a:prstGeom prst="rect">
+            <a:avLst/>
+          </a:prstGeom>
+          <a:noFill/>
+        </p:spPr>
+        <p:txBody>
+          <a:bodyPr wrap="square" rtlCol="0">
+            <a:spAutoFit/>
+          </a:bodyPr>
+          <a:lstStyle/>
+          <a:p>
+            <a:r>
+              <a:rPr lang="zh-CN" altLang="en-US" sz="1400" dirty="0" smtClean="0"/>
+              <a:t>产生配给机制</a:t>
+            </a:r>
+            <a:endParaRPr lang="zh-TW" altLang="en-US" sz="1400" dirty="0"/>
+          </a:p>
+        </p:txBody>
+      </p:sp>
+      <p:cxnSp>
+        <p:nvCxnSpPr>
+          <p:cNvPr id="51" name="直接箭头连接符 50"/>
+          <p:cNvCxnSpPr/>
+          <p:nvPr/>
+        </p:nvCxnSpPr>
+        <p:spPr>
+          <a:xfrm>
+            <a:off x="6883899" y="4478181"/>
+            <a:ext cx="480060" cy="0"/>
+          </a:xfrm>
+          <a:prstGeom prst="straightConnector1">
+            <a:avLst/>
+          </a:prstGeom>
+          <a:ln>
+            <a:solidFill>
+              <a:schemeClr val="tx1"/>
+            </a:solidFill>
+            <a:tailEnd type="triangle"/>
+          </a:ln>
+        </p:spPr>
+        <p:style>
+          <a:lnRef idx="1">
+            <a:schemeClr val="accent1"/>
+          </a:lnRef>
+          <a:fillRef idx="0">
+            <a:schemeClr val="accent1"/>
+          </a:fillRef>
+          <a:effectRef idx="0">
+            <a:schemeClr val="accent1"/>
+          </a:effectRef>
+          <a:fontRef idx="minor">
+            <a:schemeClr val="tx1"/>
+          </a:fontRef>
+        </p:style>
+      </p:cxnSp>
+      <p:sp>
+        <p:nvSpPr>
+          <p:cNvPr id="53" name="文本框 52"/>
+          <p:cNvSpPr txBox="1"/>
+          <p:nvPr/>
+        </p:nvSpPr>
+        <p:spPr>
+          <a:xfrm>
+            <a:off x="7444579" y="4333021"/>
+            <a:ext cx="2764996" cy="523220"/>
+          </a:xfrm>
+          <a:prstGeom prst="rect">
+            <a:avLst/>
+          </a:prstGeom>
+          <a:noFill/>
+        </p:spPr>
+        <p:txBody>
+          <a:bodyPr wrap="square" rtlCol="0">
+            <a:spAutoFit/>
+          </a:bodyPr>
+          <a:lstStyle/>
+          <a:p>
+            <a:r>
+              <a:rPr lang="zh-CN" altLang="en-US" sz="1400" dirty="0" smtClean="0"/>
+              <a:t>黄牛使价格不按价格上限执行</a:t>
+            </a:r>
+            <a:endParaRPr lang="en-US" altLang="zh-CN" sz="1400" dirty="0" smtClean="0"/>
+          </a:p>
+          <a:p>
+            <a:r>
+              <a:rPr lang="zh-CN" altLang="en-US" sz="1400" dirty="0" smtClean="0"/>
+              <a:t>（恢复价格机制）</a:t>
+            </a:r>
+            <a:endParaRPr lang="zh-TW" altLang="en-US" sz="1400" dirty="0"/>
+          </a:p>
+        </p:txBody>
+      </p:sp>
+    </p:spTree>
+    <p:extLst>
+      <p:ext uri="{BB962C8B-B14F-4D97-AF65-F5344CB8AC3E}">
+        <p14:creationId xmlns:p14="http://schemas.microsoft.com/office/powerpoint/2010/main" val="4087097789"/>
+      </p:ext>
+    </p:extLst>
+  </p:cSld>
+  <p:clrMapOvr>
+    <a:masterClrMapping/>
+  </p:clrMapOvr>
+  <p:timing>
+    <p:tnLst>
+      <p:par>
+        <p:cTn id="1" dur="indefinite" restart="never" nodeType="tmRoot"/>
+      </p:par>
+    </p:tnLst>
+  </p:timing>
+</p:sld>
+</file>
+
+<file path=ppt/slides/slide6.xml><?xml version="1.0" encoding="utf-8"?>
+<p:sld xmlns:a="http://schemas.openxmlformats.org/drawingml/2006/main" xmlns:r="http://schemas.openxmlformats.org/officeDocument/2006/relationships" xmlns:p="http://schemas.openxmlformats.org/presentationml/2006/main">
+  <p:cSld>
+    <p:spTree>
+      <p:nvGrpSpPr>
+        <p:cNvPr id="1" name=""/>
+        <p:cNvGrpSpPr/>
+        <p:nvPr/>
+      </p:nvGrpSpPr>
+      <p:grpSpPr>
+        <a:xfrm>
+          <a:off x="0" y="0"/>
+          <a:ext cx="0" cy="0"/>
+          <a:chOff x="0" y="0"/>
+          <a:chExt cx="0" cy="0"/>
+        </a:xfrm>
+      </p:grpSpPr>
+      <p:cxnSp>
+        <p:nvCxnSpPr>
+          <p:cNvPr id="4" name="直接箭头连接符 3"/>
+          <p:cNvCxnSpPr/>
+          <p:nvPr/>
+        </p:nvCxnSpPr>
+        <p:spPr>
+          <a:xfrm flipV="1">
+            <a:off x="3121025" y="1785257"/>
+            <a:ext cx="0" cy="1923143"/>
+          </a:xfrm>
+          <a:prstGeom prst="straightConnector1">
+            <a:avLst/>
+          </a:prstGeom>
+          <a:ln>
+            <a:solidFill>
+              <a:schemeClr val="tx1"/>
+            </a:solidFill>
+            <a:tailEnd type="triangle"/>
+          </a:ln>
+        </p:spPr>
+        <p:style>
+          <a:lnRef idx="1">
+            <a:schemeClr val="accent1"/>
+          </a:lnRef>
+          <a:fillRef idx="0">
+            <a:schemeClr val="accent1"/>
+          </a:fillRef>
+          <a:effectRef idx="0">
+            <a:schemeClr val="accent1"/>
+          </a:effectRef>
+          <a:fontRef idx="minor">
+            <a:schemeClr val="tx1"/>
+          </a:fontRef>
+        </p:style>
+      </p:cxnSp>
+      <p:cxnSp>
+        <p:nvCxnSpPr>
+          <p:cNvPr id="5" name="直接箭头连接符 4"/>
+          <p:cNvCxnSpPr/>
+          <p:nvPr/>
+        </p:nvCxnSpPr>
+        <p:spPr>
+          <a:xfrm>
+            <a:off x="2994025" y="3570514"/>
+            <a:ext cx="2009321" cy="0"/>
+          </a:xfrm>
+          <a:prstGeom prst="straightConnector1">
+            <a:avLst/>
+          </a:prstGeom>
+          <a:ln>
+            <a:solidFill>
+              <a:schemeClr val="tx1"/>
+            </a:solidFill>
+            <a:tailEnd type="triangle"/>
+          </a:ln>
+        </p:spPr>
+        <p:style>
+          <a:lnRef idx="1">
+            <a:schemeClr val="accent1"/>
+          </a:lnRef>
+          <a:fillRef idx="0">
+            <a:schemeClr val="accent1"/>
+          </a:fillRef>
+          <a:effectRef idx="0">
+            <a:schemeClr val="accent1"/>
+          </a:effectRef>
+          <a:fontRef idx="minor">
+            <a:schemeClr val="tx1"/>
+          </a:fontRef>
+        </p:style>
+      </p:cxnSp>
+      <p:cxnSp>
+        <p:nvCxnSpPr>
+          <p:cNvPr id="6" name="直接连接符 5"/>
+          <p:cNvCxnSpPr/>
+          <p:nvPr/>
+        </p:nvCxnSpPr>
+        <p:spPr>
+          <a:xfrm>
+            <a:off x="3506561" y="2044700"/>
+            <a:ext cx="925285" cy="1219200"/>
+          </a:xfrm>
+          <a:prstGeom prst="line">
+            <a:avLst/>
+          </a:prstGeom>
+          <a:ln>
+            <a:solidFill>
+              <a:schemeClr val="tx1"/>
+            </a:solidFill>
+          </a:ln>
+        </p:spPr>
+        <p:style>
+          <a:lnRef idx="1">
+            <a:schemeClr val="accent1"/>
+          </a:lnRef>
+          <a:fillRef idx="0">
+            <a:schemeClr val="accent1"/>
+          </a:fillRef>
+          <a:effectRef idx="0">
+            <a:schemeClr val="accent1"/>
+          </a:effectRef>
+          <a:fontRef idx="minor">
+            <a:schemeClr val="tx1"/>
+          </a:fontRef>
+        </p:style>
+      </p:cxnSp>
+      <p:cxnSp>
+        <p:nvCxnSpPr>
+          <p:cNvPr id="7" name="直接连接符 6"/>
+          <p:cNvCxnSpPr/>
+          <p:nvPr/>
+        </p:nvCxnSpPr>
+        <p:spPr>
+          <a:xfrm flipH="1">
+            <a:off x="3248026" y="2101850"/>
+            <a:ext cx="1230538" cy="1200150"/>
+          </a:xfrm>
+          <a:prstGeom prst="line">
+            <a:avLst/>
+          </a:prstGeom>
+          <a:ln>
+            <a:solidFill>
+              <a:schemeClr val="tx1"/>
+            </a:solidFill>
+          </a:ln>
+        </p:spPr>
+        <p:style>
+          <a:lnRef idx="1">
+            <a:schemeClr val="accent1"/>
+          </a:lnRef>
+          <a:fillRef idx="0">
+            <a:schemeClr val="accent1"/>
+          </a:fillRef>
+          <a:effectRef idx="0">
+            <a:schemeClr val="accent1"/>
+          </a:effectRef>
+          <a:fontRef idx="minor">
+            <a:schemeClr val="tx1"/>
+          </a:fontRef>
+        </p:style>
+      </p:cxnSp>
+      <p:sp>
+        <p:nvSpPr>
+          <p:cNvPr id="8" name="文本框 7"/>
+          <p:cNvSpPr txBox="1"/>
+          <p:nvPr/>
+        </p:nvSpPr>
+        <p:spPr>
+          <a:xfrm>
+            <a:off x="2357211" y="1689100"/>
+            <a:ext cx="717096" cy="369332"/>
+          </a:xfrm>
+          <a:prstGeom prst="rect">
+            <a:avLst/>
+          </a:prstGeom>
+          <a:noFill/>
+        </p:spPr>
+        <p:txBody>
+          <a:bodyPr wrap="square" rtlCol="0">
+            <a:spAutoFit/>
+          </a:bodyPr>
+          <a:lstStyle/>
+          <a:p>
+            <a:r>
+              <a:rPr lang="en-US" altLang="zh-TW" dirty="0" smtClean="0"/>
+              <a:t>W</a:t>
+            </a:r>
+            <a:r>
+              <a:rPr lang="en-US" altLang="zh-CN" dirty="0" smtClean="0"/>
+              <a:t>age</a:t>
+            </a:r>
+            <a:endParaRPr lang="zh-TW" altLang="en-US" dirty="0"/>
+          </a:p>
+        </p:txBody>
+      </p:sp>
+      <p:sp>
+        <p:nvSpPr>
+          <p:cNvPr id="9" name="文本框 8"/>
+          <p:cNvSpPr txBox="1"/>
+          <p:nvPr/>
+        </p:nvSpPr>
+        <p:spPr>
+          <a:xfrm>
+            <a:off x="4938938" y="3570514"/>
+            <a:ext cx="1257075" cy="369332"/>
+          </a:xfrm>
+          <a:prstGeom prst="rect">
+            <a:avLst/>
+          </a:prstGeom>
+          <a:noFill/>
+        </p:spPr>
+        <p:txBody>
+          <a:bodyPr wrap="square" rtlCol="0">
+            <a:spAutoFit/>
+          </a:bodyPr>
+          <a:lstStyle/>
+          <a:p>
+            <a:r>
+              <a:rPr lang="en-US" altLang="zh-TW" dirty="0" smtClean="0"/>
+              <a:t>L (Quantity)</a:t>
             </a:r>
             <a:endParaRPr lang="zh-TW" altLang="en-US" dirty="0"/>
           </a:p>
@@ -5810,15 +8832,7 @@
                   <a:srgbClr val="00B050"/>
                 </a:solidFill>
               </a:rPr>
-              <a:t>  </a:t>
-            </a:r>
-            <a:r>
-              <a:rPr lang="zh-CN" altLang="en-US" sz="700" dirty="0" smtClean="0">
-                <a:solidFill>
-                  <a:srgbClr val="00B050"/>
-                </a:solidFill>
-              </a:rPr>
-              <a:t>失业人数</a:t>
+              <a:t>  失业人数</a:t>
             </a:r>
             <a:endParaRPr lang="zh-TW" altLang="en-US" sz="700" dirty="0">
               <a:solidFill>
@@ -6009,7 +9023,7 @@
 </p:sld>
 </file>
 
-<file path=ppt/slides/slide5.xml><?xml version="1.0" encoding="utf-8"?>
+<file path=ppt/slides/slide7.xml><?xml version="1.0" encoding="utf-8"?>
 <p:sld xmlns:a="http://schemas.openxmlformats.org/drawingml/2006/main" xmlns:r="http://schemas.openxmlformats.org/officeDocument/2006/relationships" xmlns:p="http://schemas.openxmlformats.org/presentationml/2006/main">
   <p:cSld>
     <p:spTree>

--- a/演示文稿1.pptx
+++ b/演示文稿1.pptx
@@ -249,7 +249,7 @@
           <a:p>
             <a:fld id="{7DE42EF9-183B-415B-8AAE-4639E5D85FE4}" type="datetimeFigureOut">
               <a:rPr lang="zh-TW" altLang="en-US" smtClean="0"/>
-              <a:t>2022/10/18</a:t>
+              <a:t>2022/11/14</a:t>
             </a:fld>
             <a:endParaRPr lang="zh-TW" altLang="en-US"/>
           </a:p>
@@ -419,7 +419,7 @@
           <a:p>
             <a:fld id="{7DE42EF9-183B-415B-8AAE-4639E5D85FE4}" type="datetimeFigureOut">
               <a:rPr lang="zh-TW" altLang="en-US" smtClean="0"/>
-              <a:t>2022/10/18</a:t>
+              <a:t>2022/11/14</a:t>
             </a:fld>
             <a:endParaRPr lang="zh-TW" altLang="en-US"/>
           </a:p>
@@ -599,7 +599,7 @@
           <a:p>
             <a:fld id="{7DE42EF9-183B-415B-8AAE-4639E5D85FE4}" type="datetimeFigureOut">
               <a:rPr lang="zh-TW" altLang="en-US" smtClean="0"/>
-              <a:t>2022/10/18</a:t>
+              <a:t>2022/11/14</a:t>
             </a:fld>
             <a:endParaRPr lang="zh-TW" altLang="en-US"/>
           </a:p>
@@ -769,7 +769,7 @@
           <a:p>
             <a:fld id="{7DE42EF9-183B-415B-8AAE-4639E5D85FE4}" type="datetimeFigureOut">
               <a:rPr lang="zh-TW" altLang="en-US" smtClean="0"/>
-              <a:t>2022/10/18</a:t>
+              <a:t>2022/11/14</a:t>
             </a:fld>
             <a:endParaRPr lang="zh-TW" altLang="en-US"/>
           </a:p>
@@ -1015,7 +1015,7 @@
           <a:p>
             <a:fld id="{7DE42EF9-183B-415B-8AAE-4639E5D85FE4}" type="datetimeFigureOut">
               <a:rPr lang="zh-TW" altLang="en-US" smtClean="0"/>
-              <a:t>2022/10/18</a:t>
+              <a:t>2022/11/14</a:t>
             </a:fld>
             <a:endParaRPr lang="zh-TW" altLang="en-US"/>
           </a:p>
@@ -1247,7 +1247,7 @@
           <a:p>
             <a:fld id="{7DE42EF9-183B-415B-8AAE-4639E5D85FE4}" type="datetimeFigureOut">
               <a:rPr lang="zh-TW" altLang="en-US" smtClean="0"/>
-              <a:t>2022/10/18</a:t>
+              <a:t>2022/11/14</a:t>
             </a:fld>
             <a:endParaRPr lang="zh-TW" altLang="en-US"/>
           </a:p>
@@ -1614,7 +1614,7 @@
           <a:p>
             <a:fld id="{7DE42EF9-183B-415B-8AAE-4639E5D85FE4}" type="datetimeFigureOut">
               <a:rPr lang="zh-TW" altLang="en-US" smtClean="0"/>
-              <a:t>2022/10/18</a:t>
+              <a:t>2022/11/14</a:t>
             </a:fld>
             <a:endParaRPr lang="zh-TW" altLang="en-US"/>
           </a:p>
@@ -1732,7 +1732,7 @@
           <a:p>
             <a:fld id="{7DE42EF9-183B-415B-8AAE-4639E5D85FE4}" type="datetimeFigureOut">
               <a:rPr lang="zh-TW" altLang="en-US" smtClean="0"/>
-              <a:t>2022/10/18</a:t>
+              <a:t>2022/11/14</a:t>
             </a:fld>
             <a:endParaRPr lang="zh-TW" altLang="en-US"/>
           </a:p>
@@ -1827,7 +1827,7 @@
           <a:p>
             <a:fld id="{7DE42EF9-183B-415B-8AAE-4639E5D85FE4}" type="datetimeFigureOut">
               <a:rPr lang="zh-TW" altLang="en-US" smtClean="0"/>
-              <a:t>2022/10/18</a:t>
+              <a:t>2022/11/14</a:t>
             </a:fld>
             <a:endParaRPr lang="zh-TW" altLang="en-US"/>
           </a:p>
@@ -2104,7 +2104,7 @@
           <a:p>
             <a:fld id="{7DE42EF9-183B-415B-8AAE-4639E5D85FE4}" type="datetimeFigureOut">
               <a:rPr lang="zh-TW" altLang="en-US" smtClean="0"/>
-              <a:t>2022/10/18</a:t>
+              <a:t>2022/11/14</a:t>
             </a:fld>
             <a:endParaRPr lang="zh-TW" altLang="en-US"/>
           </a:p>
@@ -2357,7 +2357,7 @@
           <a:p>
             <a:fld id="{7DE42EF9-183B-415B-8AAE-4639E5D85FE4}" type="datetimeFigureOut">
               <a:rPr lang="zh-TW" altLang="en-US" smtClean="0"/>
-              <a:t>2022/10/18</a:t>
+              <a:t>2022/11/14</a:t>
             </a:fld>
             <a:endParaRPr lang="zh-TW" altLang="en-US"/>
           </a:p>
@@ -2570,7 +2570,7 @@
           <a:p>
             <a:fld id="{7DE42EF9-183B-415B-8AAE-4639E5D85FE4}" type="datetimeFigureOut">
               <a:rPr lang="zh-TW" altLang="en-US" smtClean="0"/>
-              <a:t>2022/10/18</a:t>
+              <a:t>2022/11/14</a:t>
             </a:fld>
             <a:endParaRPr lang="zh-TW" altLang="en-US"/>
           </a:p>
@@ -4841,15 +4841,7 @@
                   <a:srgbClr val="00B050"/>
                 </a:solidFill>
               </a:rPr>
-              <a:t>消费者</a:t>
-            </a:r>
-            <a:r>
-              <a:rPr lang="zh-CN" altLang="en-US" sz="1400" dirty="0" smtClean="0">
-                <a:solidFill>
-                  <a:srgbClr val="00B050"/>
-                </a:solidFill>
-              </a:rPr>
-              <a:t>剩余：∫省了多少钱</a:t>
+              <a:t>消费者剩余：∫省了多少钱</a:t>
             </a:r>
             <a:r>
               <a:rPr lang="en-US" altLang="zh-CN" sz="1400" dirty="0">
@@ -7123,15 +7115,7 @@
                   <a:srgbClr val="00B050"/>
                 </a:solidFill>
               </a:rPr>
-              <a:t>－</a:t>
-            </a:r>
-            <a:r>
-              <a:rPr lang="zh-CN" altLang="en-US" sz="1400" dirty="0" smtClean="0">
-                <a:solidFill>
-                  <a:srgbClr val="00B050"/>
-                </a:solidFill>
-              </a:rPr>
-              <a:t>政府收入</a:t>
+              <a:t>－政府收入</a:t>
             </a:r>
             <a:endParaRPr lang="zh-TW" altLang="en-US" sz="1400" dirty="0">
               <a:solidFill>
@@ -9000,6 +8984,935 @@
                 <a:srgbClr val="00B050"/>
               </a:solidFill>
             </a:endParaRPr>
+          </a:p>
+        </p:txBody>
+      </p:sp>
+      <p:pic>
+        <p:nvPicPr>
+          <p:cNvPr id="2" name="图片 1"/>
+          <p:cNvPicPr>
+            <a:picLocks noChangeAspect="1"/>
+          </p:cNvPicPr>
+          <p:nvPr/>
+        </p:nvPicPr>
+        <p:blipFill>
+          <a:blip r:embed="rId2"/>
+          <a:stretch>
+            <a:fillRect/>
+          </a:stretch>
+        </p:blipFill>
+        <p:spPr>
+          <a:xfrm>
+            <a:off x="7249791" y="1163755"/>
+            <a:ext cx="4819685" cy="4086255"/>
+          </a:xfrm>
+          <a:prstGeom prst="rect">
+            <a:avLst/>
+          </a:prstGeom>
+        </p:spPr>
+      </p:pic>
+      <p:sp>
+        <p:nvSpPr>
+          <p:cNvPr id="21" name="文本框 20"/>
+          <p:cNvSpPr txBox="1"/>
+          <p:nvPr/>
+        </p:nvSpPr>
+        <p:spPr>
+          <a:xfrm>
+            <a:off x="6097302" y="2899106"/>
+            <a:ext cx="2845707" cy="307777"/>
+          </a:xfrm>
+          <a:prstGeom prst="rect">
+            <a:avLst/>
+          </a:prstGeom>
+          <a:noFill/>
+        </p:spPr>
+        <p:txBody>
+          <a:bodyPr wrap="square" rtlCol="0">
+            <a:spAutoFit/>
+          </a:bodyPr>
+          <a:lstStyle/>
+          <a:p>
+            <a:pPr algn="ctr"/>
+            <a:r>
+              <a:rPr lang="en-US" altLang="zh-CN" sz="1400" dirty="0" smtClean="0"/>
+              <a:t>I/P</a:t>
+            </a:r>
+            <a:r>
+              <a:rPr lang="en-US" altLang="zh-CN" sz="1050" dirty="0" smtClean="0"/>
+              <a:t>A</a:t>
+            </a:r>
+            <a:r>
+              <a:rPr lang="zh-CN" altLang="en-US" sz="1400" dirty="0" smtClean="0"/>
+              <a:t>：以</a:t>
+            </a:r>
+            <a:r>
+              <a:rPr lang="en-US" altLang="zh-CN" sz="1400" dirty="0" smtClean="0"/>
+              <a:t>A</a:t>
+            </a:r>
+            <a:r>
+              <a:rPr lang="zh-CN" altLang="en-US" sz="1400" dirty="0" smtClean="0"/>
+              <a:t>衡量的收入</a:t>
+            </a:r>
+            <a:endParaRPr lang="zh-TW" altLang="en-US" sz="1400" dirty="0"/>
+          </a:p>
+        </p:txBody>
+      </p:sp>
+      <p:sp>
+        <p:nvSpPr>
+          <p:cNvPr id="26" name="文本框 25"/>
+          <p:cNvSpPr txBox="1"/>
+          <p:nvPr/>
+        </p:nvSpPr>
+        <p:spPr>
+          <a:xfrm>
+            <a:off x="9914026" y="5525765"/>
+            <a:ext cx="2845707" cy="307777"/>
+          </a:xfrm>
+          <a:prstGeom prst="rect">
+            <a:avLst/>
+          </a:prstGeom>
+          <a:noFill/>
+        </p:spPr>
+        <p:txBody>
+          <a:bodyPr wrap="square" rtlCol="0">
+            <a:spAutoFit/>
+          </a:bodyPr>
+          <a:lstStyle/>
+          <a:p>
+            <a:pPr algn="ctr"/>
+            <a:r>
+              <a:rPr lang="en-US" altLang="zh-CN" sz="1400" dirty="0" smtClean="0"/>
+              <a:t>I/P</a:t>
+            </a:r>
+            <a:r>
+              <a:rPr lang="en-US" altLang="zh-CN" sz="1050" dirty="0" smtClean="0"/>
+              <a:t>B</a:t>
+            </a:r>
+            <a:r>
+              <a:rPr lang="zh-CN" altLang="en-US" sz="1400" dirty="0" smtClean="0"/>
+              <a:t>：以</a:t>
+            </a:r>
+            <a:r>
+              <a:rPr lang="en-US" altLang="zh-CN" sz="1400" dirty="0" smtClean="0"/>
+              <a:t>A</a:t>
+            </a:r>
+            <a:r>
+              <a:rPr lang="zh-CN" altLang="en-US" sz="1400" dirty="0" smtClean="0"/>
+              <a:t>衡量的收入</a:t>
+            </a:r>
+            <a:endParaRPr lang="zh-TW" altLang="en-US" sz="1400" dirty="0"/>
+          </a:p>
+        </p:txBody>
+      </p:sp>
+      <p:sp>
+        <p:nvSpPr>
+          <p:cNvPr id="29" name="文本框 28"/>
+          <p:cNvSpPr txBox="1"/>
+          <p:nvPr/>
+        </p:nvSpPr>
+        <p:spPr>
+          <a:xfrm>
+            <a:off x="9050000" y="3661781"/>
+            <a:ext cx="2845707" cy="307777"/>
+          </a:xfrm>
+          <a:prstGeom prst="rect">
+            <a:avLst/>
+          </a:prstGeom>
+          <a:noFill/>
+        </p:spPr>
+        <p:txBody>
+          <a:bodyPr wrap="square" rtlCol="0">
+            <a:spAutoFit/>
+          </a:bodyPr>
+          <a:lstStyle/>
+          <a:p>
+            <a:pPr algn="ctr"/>
+            <a:r>
+              <a:rPr lang="zh-CN" altLang="en-US" sz="1400" dirty="0" smtClean="0"/>
+              <a:t>斜率：</a:t>
+            </a:r>
+            <a:r>
+              <a:rPr lang="en-US" altLang="zh-CN" sz="1400" dirty="0" smtClean="0"/>
+              <a:t>P</a:t>
+            </a:r>
+            <a:r>
+              <a:rPr lang="en-US" altLang="zh-CN" sz="1050" dirty="0" smtClean="0"/>
+              <a:t>A</a:t>
+            </a:r>
+            <a:r>
+              <a:rPr lang="en-US" altLang="zh-CN" sz="1400" dirty="0" smtClean="0"/>
+              <a:t>/P</a:t>
+            </a:r>
+            <a:r>
+              <a:rPr lang="en-US" altLang="zh-CN" sz="1050" dirty="0" smtClean="0"/>
+              <a:t>B</a:t>
+            </a:r>
+            <a:endParaRPr lang="zh-TW" altLang="en-US" sz="1400" dirty="0"/>
+          </a:p>
+        </p:txBody>
+      </p:sp>
+      <p:sp>
+        <p:nvSpPr>
+          <p:cNvPr id="30" name="文本框 29"/>
+          <p:cNvSpPr txBox="1"/>
+          <p:nvPr/>
+        </p:nvSpPr>
+        <p:spPr>
+          <a:xfrm>
+            <a:off x="6182582" y="3262736"/>
+            <a:ext cx="2845707" cy="738664"/>
+          </a:xfrm>
+          <a:prstGeom prst="rect">
+            <a:avLst/>
+          </a:prstGeom>
+          <a:noFill/>
+        </p:spPr>
+        <p:txBody>
+          <a:bodyPr wrap="square" rtlCol="0">
+            <a:spAutoFit/>
+          </a:bodyPr>
+          <a:lstStyle/>
+          <a:p>
+            <a:pPr algn="ctr"/>
+            <a:r>
+              <a:rPr lang="zh-CN" altLang="en-US" sz="1400" dirty="0" smtClean="0">
+                <a:solidFill>
+                  <a:srgbClr val="00B050"/>
+                </a:solidFill>
+              </a:rPr>
+              <a:t>货币中性</a:t>
+            </a:r>
+            <a:endParaRPr lang="en-US" altLang="zh-CN" sz="1400" dirty="0" smtClean="0">
+              <a:solidFill>
+                <a:srgbClr val="00B050"/>
+              </a:solidFill>
+            </a:endParaRPr>
+          </a:p>
+          <a:p>
+            <a:pPr algn="ctr"/>
+            <a:r>
+              <a:rPr lang="zh-CN" altLang="en-US" sz="1400" dirty="0" smtClean="0">
+                <a:solidFill>
+                  <a:srgbClr val="00B050"/>
+                </a:solidFill>
+              </a:rPr>
+              <a:t>以商品衡量购买力</a:t>
+            </a:r>
+            <a:endParaRPr lang="en-US" altLang="zh-CN" sz="1400" dirty="0" smtClean="0">
+              <a:solidFill>
+                <a:srgbClr val="00B050"/>
+              </a:solidFill>
+            </a:endParaRPr>
+          </a:p>
+          <a:p>
+            <a:pPr algn="ctr"/>
+            <a:r>
+              <a:rPr lang="en-US" altLang="zh-TW" sz="1400" dirty="0" smtClean="0">
+                <a:solidFill>
+                  <a:srgbClr val="00B050"/>
+                </a:solidFill>
+              </a:rPr>
+              <a:t>R</a:t>
+            </a:r>
+            <a:r>
+              <a:rPr lang="en-US" altLang="zh-CN" sz="1400" dirty="0" smtClean="0">
+                <a:solidFill>
+                  <a:srgbClr val="00B050"/>
+                </a:solidFill>
+              </a:rPr>
+              <a:t>eal income</a:t>
+            </a:r>
+            <a:endParaRPr lang="zh-TW" altLang="en-US" sz="1400" dirty="0">
+              <a:solidFill>
+                <a:srgbClr val="00B050"/>
+              </a:solidFill>
+            </a:endParaRPr>
+          </a:p>
+        </p:txBody>
+      </p:sp>
+      <p:pic>
+        <p:nvPicPr>
+          <p:cNvPr id="3" name="图片 2"/>
+          <p:cNvPicPr>
+            <a:picLocks noChangeAspect="1"/>
+          </p:cNvPicPr>
+          <p:nvPr/>
+        </p:nvPicPr>
+        <p:blipFill>
+          <a:blip r:embed="rId3"/>
+          <a:stretch>
+            <a:fillRect/>
+          </a:stretch>
+        </p:blipFill>
+        <p:spPr>
+          <a:xfrm>
+            <a:off x="-2066653" y="1958272"/>
+            <a:ext cx="4286281" cy="4086255"/>
+          </a:xfrm>
+          <a:prstGeom prst="rect">
+            <a:avLst/>
+          </a:prstGeom>
+        </p:spPr>
+      </p:pic>
+      <p:sp>
+        <p:nvSpPr>
+          <p:cNvPr id="31" name="文本框 30"/>
+          <p:cNvSpPr txBox="1"/>
+          <p:nvPr/>
+        </p:nvSpPr>
+        <p:spPr>
+          <a:xfrm>
+            <a:off x="-1346366" y="1736923"/>
+            <a:ext cx="2845707" cy="400110"/>
+          </a:xfrm>
+          <a:prstGeom prst="rect">
+            <a:avLst/>
+          </a:prstGeom>
+          <a:noFill/>
+        </p:spPr>
+        <p:txBody>
+          <a:bodyPr wrap="square" rtlCol="0">
+            <a:spAutoFit/>
+          </a:bodyPr>
+          <a:lstStyle/>
+          <a:p>
+            <a:pPr algn="ctr"/>
+            <a:r>
+              <a:rPr lang="zh-CN" altLang="en-US" sz="2000" dirty="0"/>
+              <a:t>一般</a:t>
+            </a:r>
+            <a:r>
+              <a:rPr lang="zh-CN" altLang="en-US" sz="2000" dirty="0" smtClean="0"/>
+              <a:t>的劳动力生产函数</a:t>
+            </a:r>
+            <a:endParaRPr lang="zh-TW" altLang="en-US" sz="2000" dirty="0"/>
+          </a:p>
+        </p:txBody>
+      </p:sp>
+      <p:sp>
+        <p:nvSpPr>
+          <p:cNvPr id="32" name="文本框 31"/>
+          <p:cNvSpPr txBox="1"/>
+          <p:nvPr/>
+        </p:nvSpPr>
+        <p:spPr>
+          <a:xfrm>
+            <a:off x="-1151719" y="5125655"/>
+            <a:ext cx="3626556" cy="400110"/>
+          </a:xfrm>
+          <a:prstGeom prst="rect">
+            <a:avLst/>
+          </a:prstGeom>
+          <a:noFill/>
+        </p:spPr>
+        <p:txBody>
+          <a:bodyPr wrap="square" rtlCol="0">
+            <a:spAutoFit/>
+          </a:bodyPr>
+          <a:lstStyle/>
+          <a:p>
+            <a:pPr algn="ctr"/>
+            <a:r>
+              <a:rPr lang="zh-CN" altLang="en-US" sz="2000" dirty="0" smtClean="0">
+                <a:solidFill>
+                  <a:srgbClr val="FF0000"/>
+                </a:solidFill>
+              </a:rPr>
+              <a:t>凸：⽣产团队的有效分⼯ </a:t>
+            </a:r>
+            <a:endParaRPr lang="zh-TW" altLang="en-US" sz="2000" dirty="0">
+              <a:solidFill>
+                <a:srgbClr val="FF0000"/>
+              </a:solidFill>
+            </a:endParaRPr>
+          </a:p>
+        </p:txBody>
+      </p:sp>
+      <p:sp>
+        <p:nvSpPr>
+          <p:cNvPr id="12" name="矩形 11"/>
+          <p:cNvSpPr/>
+          <p:nvPr/>
+        </p:nvSpPr>
+        <p:spPr>
+          <a:xfrm>
+            <a:off x="3926175" y="3244334"/>
+            <a:ext cx="4339650" cy="369332"/>
+          </a:xfrm>
+          <a:prstGeom prst="rect">
+            <a:avLst/>
+          </a:prstGeom>
+        </p:spPr>
+        <p:txBody>
+          <a:bodyPr wrap="none">
+            <a:spAutoFit/>
+          </a:bodyPr>
+          <a:lstStyle/>
+          <a:p>
+            <a:r>
+              <a:rPr lang="en-US" altLang="zh-TW" dirty="0">
+                <a:solidFill>
+                  <a:srgbClr val="C82404"/>
+                </a:solidFill>
+                <a:latin typeface="EGCKJR+Apple-Chancery"/>
+              </a:rPr>
+              <a:t>law of diminishing marginal product </a:t>
+            </a:r>
+            <a:endParaRPr lang="zh-TW" altLang="en-US" dirty="0"/>
+          </a:p>
+        </p:txBody>
+      </p:sp>
+      <p:sp>
+        <p:nvSpPr>
+          <p:cNvPr id="33" name="文本框 32"/>
+          <p:cNvSpPr txBox="1"/>
+          <p:nvPr/>
+        </p:nvSpPr>
+        <p:spPr>
+          <a:xfrm>
+            <a:off x="-289999" y="3572359"/>
+            <a:ext cx="3626556" cy="1323439"/>
+          </a:xfrm>
+          <a:prstGeom prst="rect">
+            <a:avLst/>
+          </a:prstGeom>
+          <a:noFill/>
+        </p:spPr>
+        <p:txBody>
+          <a:bodyPr wrap="square" rtlCol="0">
+            <a:spAutoFit/>
+          </a:bodyPr>
+          <a:lstStyle/>
+          <a:p>
+            <a:pPr algn="ctr"/>
+            <a:r>
+              <a:rPr lang="zh-CN" altLang="en-US" sz="2000" dirty="0" smtClean="0">
+                <a:solidFill>
+                  <a:srgbClr val="0070C0"/>
+                </a:solidFill>
+              </a:rPr>
+              <a:t>凹：超过一个值后效率变低</a:t>
+            </a:r>
+            <a:endParaRPr lang="en-US" altLang="zh-CN" sz="2000" dirty="0" smtClean="0">
+              <a:solidFill>
+                <a:srgbClr val="0070C0"/>
+              </a:solidFill>
+            </a:endParaRPr>
+          </a:p>
+          <a:p>
+            <a:pPr algn="ctr"/>
+            <a:r>
+              <a:rPr lang="en-US" altLang="zh-TW" sz="2000" dirty="0">
+                <a:solidFill>
+                  <a:srgbClr val="0070C0"/>
+                </a:solidFill>
+              </a:rPr>
+              <a:t>law of diminishing marginal product </a:t>
+            </a:r>
+          </a:p>
+          <a:p>
+            <a:pPr algn="ctr"/>
+            <a:endParaRPr lang="zh-TW" altLang="en-US" sz="2000" dirty="0">
+              <a:solidFill>
+                <a:srgbClr val="FF0000"/>
+              </a:solidFill>
+            </a:endParaRPr>
+          </a:p>
+        </p:txBody>
+      </p:sp>
+      <p:pic>
+        <p:nvPicPr>
+          <p:cNvPr id="15" name="图片 14"/>
+          <p:cNvPicPr>
+            <a:picLocks noChangeAspect="1"/>
+          </p:cNvPicPr>
+          <p:nvPr/>
+        </p:nvPicPr>
+        <p:blipFill>
+          <a:blip r:embed="rId4"/>
+          <a:stretch>
+            <a:fillRect/>
+          </a:stretch>
+        </p:blipFill>
+        <p:spPr>
+          <a:xfrm>
+            <a:off x="10472853" y="-3332437"/>
+            <a:ext cx="4191031" cy="4219606"/>
+          </a:xfrm>
+          <a:prstGeom prst="rect">
+            <a:avLst/>
+          </a:prstGeom>
+        </p:spPr>
+      </p:pic>
+      <p:pic>
+        <p:nvPicPr>
+          <p:cNvPr id="16" name="图片 15"/>
+          <p:cNvPicPr>
+            <a:picLocks noChangeAspect="1"/>
+          </p:cNvPicPr>
+          <p:nvPr/>
+        </p:nvPicPr>
+        <p:blipFill>
+          <a:blip r:embed="rId5"/>
+          <a:stretch>
+            <a:fillRect/>
+          </a:stretch>
+        </p:blipFill>
+        <p:spPr>
+          <a:xfrm>
+            <a:off x="5972159" y="-3428762"/>
+            <a:ext cx="4362482" cy="4095780"/>
+          </a:xfrm>
+          <a:prstGeom prst="rect">
+            <a:avLst/>
+          </a:prstGeom>
+        </p:spPr>
+      </p:pic>
+      <p:sp>
+        <p:nvSpPr>
+          <p:cNvPr id="17" name="文本框 16"/>
+          <p:cNvSpPr txBox="1"/>
+          <p:nvPr/>
+        </p:nvSpPr>
+        <p:spPr>
+          <a:xfrm>
+            <a:off x="10505584" y="-3303862"/>
+            <a:ext cx="831295" cy="400110"/>
+          </a:xfrm>
+          <a:prstGeom prst="rect">
+            <a:avLst/>
+          </a:prstGeom>
+          <a:solidFill>
+            <a:schemeClr val="bg1"/>
+          </a:solidFill>
+        </p:spPr>
+        <p:txBody>
+          <a:bodyPr wrap="square" rtlCol="0">
+            <a:spAutoFit/>
+          </a:bodyPr>
+          <a:lstStyle/>
+          <a:p>
+            <a:r>
+              <a:rPr lang="en-US" altLang="zh-TW" sz="2000" dirty="0" smtClean="0">
+                <a:latin typeface="等线" panose="02010600030101010101" pitchFamily="2" charset="-122"/>
+                <a:ea typeface="等线" panose="02010600030101010101" pitchFamily="2" charset="-122"/>
+              </a:rPr>
+              <a:t>MC</a:t>
+            </a:r>
+            <a:endParaRPr lang="zh-TW" altLang="en-US" sz="2000" dirty="0">
+              <a:latin typeface="等线" panose="02010600030101010101" pitchFamily="2" charset="-122"/>
+              <a:ea typeface="等线" panose="02010600030101010101" pitchFamily="2" charset="-122"/>
+            </a:endParaRPr>
+          </a:p>
+        </p:txBody>
+      </p:sp>
+      <p:pic>
+        <p:nvPicPr>
+          <p:cNvPr id="18" name="图片 17"/>
+          <p:cNvPicPr>
+            <a:picLocks noChangeAspect="1"/>
+          </p:cNvPicPr>
+          <p:nvPr/>
+        </p:nvPicPr>
+        <p:blipFill>
+          <a:blip r:embed="rId6"/>
+          <a:stretch>
+            <a:fillRect/>
+          </a:stretch>
+        </p:blipFill>
+        <p:spPr>
+          <a:xfrm>
+            <a:off x="6615900" y="9075894"/>
+            <a:ext cx="4305331" cy="3905279"/>
+          </a:xfrm>
+          <a:prstGeom prst="rect">
+            <a:avLst/>
+          </a:prstGeom>
+        </p:spPr>
+      </p:pic>
+      <p:pic>
+        <p:nvPicPr>
+          <p:cNvPr id="34" name="图片 33"/>
+          <p:cNvPicPr>
+            <a:picLocks noChangeAspect="1"/>
+          </p:cNvPicPr>
+          <p:nvPr/>
+        </p:nvPicPr>
+        <p:blipFill>
+          <a:blip r:embed="rId7"/>
+          <a:stretch>
+            <a:fillRect/>
+          </a:stretch>
+        </p:blipFill>
+        <p:spPr>
+          <a:xfrm>
+            <a:off x="-2633926" y="8915614"/>
+            <a:ext cx="4362482" cy="4114830"/>
+          </a:xfrm>
+          <a:prstGeom prst="rect">
+            <a:avLst/>
+          </a:prstGeom>
+        </p:spPr>
+      </p:pic>
+      <p:pic>
+        <p:nvPicPr>
+          <p:cNvPr id="35" name="图片 34"/>
+          <p:cNvPicPr>
+            <a:picLocks noChangeAspect="1"/>
+          </p:cNvPicPr>
+          <p:nvPr/>
+        </p:nvPicPr>
+        <p:blipFill>
+          <a:blip r:embed="rId8"/>
+          <a:stretch>
+            <a:fillRect/>
+          </a:stretch>
+        </p:blipFill>
+        <p:spPr>
+          <a:xfrm>
+            <a:off x="2131068" y="9038127"/>
+            <a:ext cx="4229131" cy="4000529"/>
+          </a:xfrm>
+          <a:prstGeom prst="rect">
+            <a:avLst/>
+          </a:prstGeom>
+        </p:spPr>
+      </p:pic>
+      <p:sp>
+        <p:nvSpPr>
+          <p:cNvPr id="36" name="文本框 35"/>
+          <p:cNvSpPr txBox="1"/>
+          <p:nvPr/>
+        </p:nvSpPr>
+        <p:spPr>
+          <a:xfrm>
+            <a:off x="-1875539" y="8400225"/>
+            <a:ext cx="2845707" cy="400110"/>
+          </a:xfrm>
+          <a:prstGeom prst="rect">
+            <a:avLst/>
+          </a:prstGeom>
+          <a:noFill/>
+        </p:spPr>
+        <p:txBody>
+          <a:bodyPr wrap="square" rtlCol="0">
+            <a:spAutoFit/>
+          </a:bodyPr>
+          <a:lstStyle/>
+          <a:p>
+            <a:pPr algn="ctr"/>
+            <a:r>
+              <a:rPr lang="zh-CN" altLang="en-US" sz="2000" dirty="0" smtClean="0"/>
+              <a:t>平均固定成本</a:t>
+            </a:r>
+            <a:endParaRPr lang="zh-TW" altLang="en-US" sz="2000" dirty="0"/>
+          </a:p>
+        </p:txBody>
+      </p:sp>
+      <p:sp>
+        <p:nvSpPr>
+          <p:cNvPr id="37" name="文本框 36"/>
+          <p:cNvSpPr txBox="1"/>
+          <p:nvPr/>
+        </p:nvSpPr>
+        <p:spPr>
+          <a:xfrm>
+            <a:off x="2822779" y="8515504"/>
+            <a:ext cx="2845707" cy="400110"/>
+          </a:xfrm>
+          <a:prstGeom prst="rect">
+            <a:avLst/>
+          </a:prstGeom>
+          <a:noFill/>
+        </p:spPr>
+        <p:txBody>
+          <a:bodyPr wrap="square" rtlCol="0">
+            <a:spAutoFit/>
+          </a:bodyPr>
+          <a:lstStyle/>
+          <a:p>
+            <a:pPr algn="ctr"/>
+            <a:r>
+              <a:rPr lang="zh-CN" altLang="en-US" sz="2000" dirty="0" smtClean="0"/>
+              <a:t>平均可变成本</a:t>
+            </a:r>
+            <a:endParaRPr lang="zh-TW" altLang="en-US" sz="2000" dirty="0"/>
+          </a:p>
+        </p:txBody>
+      </p:sp>
+      <p:sp>
+        <p:nvSpPr>
+          <p:cNvPr id="38" name="文本框 37"/>
+          <p:cNvSpPr txBox="1"/>
+          <p:nvPr/>
+        </p:nvSpPr>
+        <p:spPr>
+          <a:xfrm>
+            <a:off x="6695543" y="8400225"/>
+            <a:ext cx="4157787" cy="707886"/>
+          </a:xfrm>
+          <a:prstGeom prst="rect">
+            <a:avLst/>
+          </a:prstGeom>
+          <a:noFill/>
+        </p:spPr>
+        <p:txBody>
+          <a:bodyPr wrap="square" rtlCol="0">
+            <a:spAutoFit/>
+          </a:bodyPr>
+          <a:lstStyle/>
+          <a:p>
+            <a:pPr algn="ctr"/>
+            <a:r>
+              <a:rPr lang="zh-CN" altLang="en-US" sz="2000" dirty="0" smtClean="0"/>
+              <a:t>边际成本与平均可变、总成本</a:t>
+            </a:r>
+            <a:endParaRPr lang="en-US" altLang="zh-CN" sz="2000" dirty="0" smtClean="0"/>
+          </a:p>
+          <a:p>
+            <a:pPr algn="ctr"/>
+            <a:r>
+              <a:rPr lang="zh-CN" altLang="en-US" sz="2000" dirty="0" smtClean="0"/>
+              <a:t>最低点相交</a:t>
+            </a:r>
+            <a:endParaRPr lang="zh-TW" altLang="en-US" sz="2000" dirty="0"/>
+          </a:p>
+        </p:txBody>
+      </p:sp>
+      <p:sp>
+        <p:nvSpPr>
+          <p:cNvPr id="39" name="Rectangle 1"/>
+          <p:cNvSpPr>
+            <a:spLocks noChangeArrowheads="1"/>
+          </p:cNvSpPr>
+          <p:nvPr/>
+        </p:nvSpPr>
+        <p:spPr bwMode="auto">
+          <a:xfrm>
+            <a:off x="0" y="0"/>
+            <a:ext cx="12192000" cy="457200"/>
+          </a:xfrm>
+          <a:prstGeom prst="rect">
+            <a:avLst/>
+          </a:prstGeom>
+          <a:solidFill>
+            <a:srgbClr val="363B40"/>
+          </a:solidFill>
+          <a:ln>
+            <a:noFill/>
+          </a:ln>
+          <a:effectLst/>
+          <a:extLst>
+            <a:ext uri="{91240B29-F687-4F45-9708-019B960494DF}">
+              <a14:hiddenLine xmlns:a14="http://schemas.microsoft.com/office/drawing/2010/main" w="9525">
+                <a:solidFill>
+                  <a:schemeClr val="tx1"/>
+                </a:solidFill>
+                <a:miter lim="800000"/>
+                <a:headEnd/>
+                <a:tailEnd/>
+              </a14:hiddenLine>
+            </a:ext>
+            <a:ext uri="{AF507438-7753-43E0-B8FC-AC1667EBCBE1}">
+              <a14:hiddenEffects xmlns:a14="http://schemas.microsoft.com/office/drawing/2010/main">
+                <a:effectLst>
+                  <a:outerShdw dist="35921" dir="2700000" algn="ctr" rotWithShape="0">
+                    <a:schemeClr val="bg2"/>
+                  </a:outerShdw>
+                </a:effectLst>
+              </a14:hiddenEffects>
+            </a:ext>
+          </a:extLst>
+        </p:spPr>
+        <p:txBody>
+          <a:bodyPr vert="horz" wrap="none" lIns="91440" tIns="45720" rIns="91440" bIns="45720" numCol="1" anchor="ctr" anchorCtr="0" compatLnSpc="1">
+            <a:prstTxWarp prst="textNoShape">
+              <a:avLst/>
+            </a:prstTxWarp>
+            <a:spAutoFit/>
+          </a:bodyPr>
+          <a:lstStyle/>
+          <a:p>
+            <a:pPr marL="0" marR="0" lvl="0" indent="0" algn="l" defTabSz="914400" rtl="0" eaLnBrk="0" fontAlgn="base" latinLnBrk="0" hangingPunct="0">
+              <a:lnSpc>
+                <a:spcPct val="100000"/>
+              </a:lnSpc>
+              <a:spcBef>
+                <a:spcPct val="0"/>
+              </a:spcBef>
+              <a:spcAft>
+                <a:spcPct val="0"/>
+              </a:spcAft>
+              <a:buClrTx/>
+              <a:buSzTx/>
+              <a:buFontTx/>
+              <a:buNone/>
+              <a:tabLst/>
+            </a:pPr>
+            <a:r>
+              <a:rPr kumimoji="0" lang="zh-TW" altLang="zh-TW" sz="1200" b="1" i="0" u="none" strike="noStrike" cap="none" normalizeH="0" baseline="0" smtClean="0">
+                <a:ln>
+                  <a:noFill/>
+                </a:ln>
+                <a:solidFill>
+                  <a:srgbClr val="DEDEDE"/>
+                </a:solidFill>
+                <a:effectLst/>
+                <a:latin typeface="Arial" panose="020B0604020202020204" pitchFamily="34" charset="0"/>
+                <a:ea typeface="Helvetica Neue"/>
+              </a:rPr>
+              <a:t>law of diminishingmarginal product</a:t>
+            </a:r>
+            <a:r>
+              <a:rPr kumimoji="0" lang="zh-TW" altLang="zh-TW" sz="600" b="0" i="0" u="none" strike="noStrike" cap="none" normalizeH="0" baseline="0" smtClean="0">
+                <a:ln>
+                  <a:noFill/>
+                </a:ln>
+                <a:solidFill>
+                  <a:schemeClr val="tx1"/>
+                </a:solidFill>
+                <a:effectLst/>
+                <a:latin typeface="Arial" panose="020B0604020202020204" pitchFamily="34" charset="0"/>
+              </a:rPr>
+              <a:t> </a:t>
+            </a:r>
+            <a:endParaRPr kumimoji="0" lang="zh-TW" altLang="zh-TW" sz="1800" b="0" i="0" u="none" strike="noStrike" cap="none" normalizeH="0" baseline="0" smtClean="0">
+              <a:ln>
+                <a:noFill/>
+              </a:ln>
+              <a:solidFill>
+                <a:schemeClr val="tx1"/>
+              </a:solidFill>
+              <a:effectLst/>
+              <a:latin typeface="Arial" panose="020B0604020202020204" pitchFamily="34" charset="0"/>
+            </a:endParaRPr>
+          </a:p>
+        </p:txBody>
+      </p:sp>
+      <p:pic>
+        <p:nvPicPr>
+          <p:cNvPr id="40" name="图片 39"/>
+          <p:cNvPicPr>
+            <a:picLocks noChangeAspect="1"/>
+          </p:cNvPicPr>
+          <p:nvPr/>
+        </p:nvPicPr>
+        <p:blipFill>
+          <a:blip r:embed="rId9"/>
+          <a:stretch>
+            <a:fillRect/>
+          </a:stretch>
+        </p:blipFill>
+        <p:spPr>
+          <a:xfrm>
+            <a:off x="11734316" y="4371121"/>
+            <a:ext cx="8172510" cy="4029104"/>
+          </a:xfrm>
+          <a:prstGeom prst="rect">
+            <a:avLst/>
+          </a:prstGeom>
+        </p:spPr>
+      </p:pic>
+      <p:cxnSp>
+        <p:nvCxnSpPr>
+          <p:cNvPr id="41" name="直接连接符 40"/>
+          <p:cNvCxnSpPr/>
+          <p:nvPr/>
+        </p:nvCxnSpPr>
+        <p:spPr>
+          <a:xfrm flipH="1">
+            <a:off x="13785850" y="6908618"/>
+            <a:ext cx="356" cy="1289232"/>
+          </a:xfrm>
+          <a:prstGeom prst="line">
+            <a:avLst/>
+          </a:prstGeom>
+          <a:ln w="28575">
+            <a:solidFill>
+              <a:srgbClr val="00B050"/>
+            </a:solidFill>
+            <a:prstDash val="dash"/>
+          </a:ln>
+        </p:spPr>
+        <p:style>
+          <a:lnRef idx="1">
+            <a:schemeClr val="accent1"/>
+          </a:lnRef>
+          <a:fillRef idx="0">
+            <a:schemeClr val="accent1"/>
+          </a:fillRef>
+          <a:effectRef idx="0">
+            <a:schemeClr val="accent1"/>
+          </a:effectRef>
+          <a:fontRef idx="minor">
+            <a:schemeClr val="tx1"/>
+          </a:fontRef>
+        </p:style>
+      </p:cxnSp>
+      <p:cxnSp>
+        <p:nvCxnSpPr>
+          <p:cNvPr id="44" name="直接连接符 43"/>
+          <p:cNvCxnSpPr/>
+          <p:nvPr/>
+        </p:nvCxnSpPr>
+        <p:spPr>
+          <a:xfrm flipH="1">
+            <a:off x="17903825" y="6908618"/>
+            <a:ext cx="356" cy="1289232"/>
+          </a:xfrm>
+          <a:prstGeom prst="line">
+            <a:avLst/>
+          </a:prstGeom>
+          <a:ln w="28575">
+            <a:solidFill>
+              <a:srgbClr val="00B050"/>
+            </a:solidFill>
+            <a:prstDash val="dash"/>
+          </a:ln>
+        </p:spPr>
+        <p:style>
+          <a:lnRef idx="1">
+            <a:schemeClr val="accent1"/>
+          </a:lnRef>
+          <a:fillRef idx="0">
+            <a:schemeClr val="accent1"/>
+          </a:fillRef>
+          <a:effectRef idx="0">
+            <a:schemeClr val="accent1"/>
+          </a:effectRef>
+          <a:fontRef idx="minor">
+            <a:schemeClr val="tx1"/>
+          </a:fontRef>
+        </p:style>
+      </p:cxnSp>
+      <p:sp>
+        <p:nvSpPr>
+          <p:cNvPr id="45" name="文本框 44"/>
+          <p:cNvSpPr txBox="1"/>
+          <p:nvPr/>
+        </p:nvSpPr>
+        <p:spPr>
+          <a:xfrm>
+            <a:off x="12416442" y="7693909"/>
+            <a:ext cx="7490384" cy="369332"/>
+          </a:xfrm>
+          <a:prstGeom prst="rect">
+            <a:avLst/>
+          </a:prstGeom>
+          <a:noFill/>
+        </p:spPr>
+        <p:txBody>
+          <a:bodyPr wrap="square" rtlCol="0">
+            <a:spAutoFit/>
+          </a:bodyPr>
+          <a:lstStyle/>
+          <a:p>
+            <a:r>
+              <a:rPr lang="zh-CN" altLang="en-US" dirty="0" smtClean="0"/>
+              <a:t>规模经济                                   规模收益不变                             规模不经济</a:t>
+            </a:r>
+            <a:endParaRPr lang="zh-TW" altLang="en-US" dirty="0"/>
           </a:p>
         </p:txBody>
       </p:sp>
